--- a/doc/illustration.pptx
+++ b/doc/illustration.pptx
@@ -261,7 +261,7 @@
           <a:p>
             <a:fld id="{EDBD547D-9E23-4F8B-9515-D841BE9D2DF6}" type="datetimeFigureOut">
               <a:rPr lang="en-US" smtClean="0"/>
-              <a:t>10/28/2023</a:t>
+              <a:t>11/13/2023</a:t>
             </a:fld>
             <a:endParaRPr lang="en-US"/>
           </a:p>
@@ -461,7 +461,7 @@
           <a:p>
             <a:fld id="{EDBD547D-9E23-4F8B-9515-D841BE9D2DF6}" type="datetimeFigureOut">
               <a:rPr lang="en-US" smtClean="0"/>
-              <a:t>10/28/2023</a:t>
+              <a:t>11/13/2023</a:t>
             </a:fld>
             <a:endParaRPr lang="en-US"/>
           </a:p>
@@ -671,7 +671,7 @@
           <a:p>
             <a:fld id="{EDBD547D-9E23-4F8B-9515-D841BE9D2DF6}" type="datetimeFigureOut">
               <a:rPr lang="en-US" smtClean="0"/>
-              <a:t>10/28/2023</a:t>
+              <a:t>11/13/2023</a:t>
             </a:fld>
             <a:endParaRPr lang="en-US"/>
           </a:p>
@@ -871,7 +871,7 @@
           <a:p>
             <a:fld id="{EDBD547D-9E23-4F8B-9515-D841BE9D2DF6}" type="datetimeFigureOut">
               <a:rPr lang="en-US" smtClean="0"/>
-              <a:t>10/28/2023</a:t>
+              <a:t>11/13/2023</a:t>
             </a:fld>
             <a:endParaRPr lang="en-US"/>
           </a:p>
@@ -1147,7 +1147,7 @@
           <a:p>
             <a:fld id="{EDBD547D-9E23-4F8B-9515-D841BE9D2DF6}" type="datetimeFigureOut">
               <a:rPr lang="en-US" smtClean="0"/>
-              <a:t>10/28/2023</a:t>
+              <a:t>11/13/2023</a:t>
             </a:fld>
             <a:endParaRPr lang="en-US"/>
           </a:p>
@@ -1415,7 +1415,7 @@
           <a:p>
             <a:fld id="{EDBD547D-9E23-4F8B-9515-D841BE9D2DF6}" type="datetimeFigureOut">
               <a:rPr lang="en-US" smtClean="0"/>
-              <a:t>10/28/2023</a:t>
+              <a:t>11/13/2023</a:t>
             </a:fld>
             <a:endParaRPr lang="en-US"/>
           </a:p>
@@ -1830,7 +1830,7 @@
           <a:p>
             <a:fld id="{EDBD547D-9E23-4F8B-9515-D841BE9D2DF6}" type="datetimeFigureOut">
               <a:rPr lang="en-US" smtClean="0"/>
-              <a:t>10/28/2023</a:t>
+              <a:t>11/13/2023</a:t>
             </a:fld>
             <a:endParaRPr lang="en-US"/>
           </a:p>
@@ -1972,7 +1972,7 @@
           <a:p>
             <a:fld id="{EDBD547D-9E23-4F8B-9515-D841BE9D2DF6}" type="datetimeFigureOut">
               <a:rPr lang="en-US" smtClean="0"/>
-              <a:t>10/28/2023</a:t>
+              <a:t>11/13/2023</a:t>
             </a:fld>
             <a:endParaRPr lang="en-US"/>
           </a:p>
@@ -2085,7 +2085,7 @@
           <a:p>
             <a:fld id="{EDBD547D-9E23-4F8B-9515-D841BE9D2DF6}" type="datetimeFigureOut">
               <a:rPr lang="en-US" smtClean="0"/>
-              <a:t>10/28/2023</a:t>
+              <a:t>11/13/2023</a:t>
             </a:fld>
             <a:endParaRPr lang="en-US"/>
           </a:p>
@@ -2398,7 +2398,7 @@
           <a:p>
             <a:fld id="{EDBD547D-9E23-4F8B-9515-D841BE9D2DF6}" type="datetimeFigureOut">
               <a:rPr lang="en-US" smtClean="0"/>
-              <a:t>10/28/2023</a:t>
+              <a:t>11/13/2023</a:t>
             </a:fld>
             <a:endParaRPr lang="en-US"/>
           </a:p>
@@ -2687,7 +2687,7 @@
           <a:p>
             <a:fld id="{EDBD547D-9E23-4F8B-9515-D841BE9D2DF6}" type="datetimeFigureOut">
               <a:rPr lang="en-US" smtClean="0"/>
-              <a:t>10/28/2023</a:t>
+              <a:t>11/13/2023</a:t>
             </a:fld>
             <a:endParaRPr lang="en-US"/>
           </a:p>
@@ -2930,7 +2930,7 @@
           <a:p>
             <a:fld id="{EDBD547D-9E23-4F8B-9515-D841BE9D2DF6}" type="datetimeFigureOut">
               <a:rPr lang="en-US" smtClean="0"/>
-              <a:t>10/28/2023</a:t>
+              <a:t>11/13/2023</a:t>
             </a:fld>
             <a:endParaRPr lang="en-US"/>
           </a:p>
@@ -3347,8 +3347,170 @@
           <a:chExt cx="0" cy="0"/>
         </a:xfrm>
       </p:grpSpPr>
-      <mc:AlternateContent xmlns:mc="http://schemas.openxmlformats.org/markup-compatibility/2006" xmlns:a14="http://schemas.microsoft.com/office/drawing/2010/main">
-        <mc:Choice Requires="a14">
+      <mc:AlternateContent xmlns:mc="http://schemas.openxmlformats.org/markup-compatibility/2006">
+        <mc:Choice xmlns:a14="http://schemas.microsoft.com/office/drawing/2010/main" Requires="a14">
+          <p:sp>
+            <p:nvSpPr>
+              <p:cNvPr id="10" name="矩形 9">
+                <a:extLst>
+                  <a:ext uri="{FF2B5EF4-FFF2-40B4-BE49-F238E27FC236}">
+                    <a16:creationId xmlns:a16="http://schemas.microsoft.com/office/drawing/2014/main" id="{721B0859-6F28-A92F-A66A-0F7145E5EFFE}"/>
+                  </a:ext>
+                </a:extLst>
+              </p:cNvPr>
+              <p:cNvSpPr/>
+              <p:nvPr/>
+            </p:nvSpPr>
+            <p:spPr>
+              <a:xfrm>
+                <a:off x="545301" y="3244179"/>
+                <a:ext cx="720000" cy="360000"/>
+              </a:xfrm>
+              <a:prstGeom prst="rect">
+                <a:avLst/>
+              </a:prstGeom>
+              <a:solidFill>
+                <a:schemeClr val="accent4">
+                  <a:lumMod val="60000"/>
+                  <a:lumOff val="40000"/>
+                </a:schemeClr>
+              </a:solidFill>
+              <a:ln w="28575">
+                <a:noFill/>
+              </a:ln>
+            </p:spPr>
+            <p:style>
+              <a:lnRef idx="2">
+                <a:schemeClr val="accent4">
+                  <a:shade val="15000"/>
+                </a:schemeClr>
+              </a:lnRef>
+              <a:fillRef idx="1">
+                <a:schemeClr val="accent4"/>
+              </a:fillRef>
+              <a:effectRef idx="0">
+                <a:schemeClr val="accent4"/>
+              </a:effectRef>
+              <a:fontRef idx="minor">
+                <a:schemeClr val="lt1"/>
+              </a:fontRef>
+            </p:style>
+            <p:txBody>
+              <a:bodyPr rtlCol="0" anchor="ctr"/>
+              <a:lstStyle/>
+              <a:p>
+                <a:pPr algn="ctr"/>
+                <a14:m>
+                  <m:oMathPara xmlns:m="http://schemas.openxmlformats.org/officeDocument/2006/math">
+                    <m:oMathParaPr>
+                      <m:jc m:val="centerGroup"/>
+                    </m:oMathParaPr>
+                    <m:oMath xmlns:m="http://schemas.openxmlformats.org/officeDocument/2006/math">
+                      <m:d>
+                        <m:dPr>
+                          <m:begChr m:val="["/>
+                          <m:endChr m:val="]"/>
+                          <m:ctrlPr>
+                            <a:rPr lang="en-US" sz="1600" b="0" i="1" smtClean="0">
+                              <a:solidFill>
+                                <a:schemeClr val="tx1"/>
+                              </a:solidFill>
+                              <a:latin typeface="Cambria Math" panose="02040503050406030204" pitchFamily="18" charset="0"/>
+                            </a:rPr>
+                          </m:ctrlPr>
+                        </m:dPr>
+                        <m:e>
+                          <m:r>
+                            <a:rPr lang="en-US" sz="1600" b="0" i="1" smtClean="0">
+                              <a:solidFill>
+                                <a:schemeClr val="tx1"/>
+                              </a:solidFill>
+                              <a:latin typeface="Cambria Math" panose="02040503050406030204" pitchFamily="18" charset="0"/>
+                            </a:rPr>
+                            <m:t>𝑃</m:t>
+                          </m:r>
+                          <m:r>
+                            <a:rPr lang="en-US" sz="1600" b="0" i="1" smtClean="0">
+                              <a:solidFill>
+                                <a:schemeClr val="tx1"/>
+                              </a:solidFill>
+                              <a:latin typeface="Cambria Math" panose="02040503050406030204" pitchFamily="18" charset="0"/>
+                            </a:rPr>
+                            <m:t>, </m:t>
+                          </m:r>
+                          <m:r>
+                            <a:rPr lang="en-US" sz="1600" b="0" i="1" smtClean="0">
+                              <a:solidFill>
+                                <a:schemeClr val="tx1"/>
+                              </a:solidFill>
+                              <a:latin typeface="Cambria Math" panose="02040503050406030204" pitchFamily="18" charset="0"/>
+                            </a:rPr>
+                            <m:t>𝑄</m:t>
+                          </m:r>
+                        </m:e>
+                      </m:d>
+                    </m:oMath>
+                  </m:oMathPara>
+                </a14:m>
+                <a:endParaRPr lang="en-US" sz="1600" dirty="0">
+                  <a:solidFill>
+                    <a:schemeClr val="tx1"/>
+                  </a:solidFill>
+                </a:endParaRPr>
+              </a:p>
+            </p:txBody>
+          </p:sp>
+        </mc:Choice>
+        <mc:Fallback>
+          <p:sp>
+            <p:nvSpPr>
+              <p:cNvPr id="10" name="矩形 9">
+                <a:extLst>
+                  <a:ext uri="{FF2B5EF4-FFF2-40B4-BE49-F238E27FC236}">
+                    <a16:creationId xmlns:a16="http://schemas.microsoft.com/office/drawing/2014/main" id="{721B0859-6F28-A92F-A66A-0F7145E5EFFE}"/>
+                  </a:ext>
+                </a:extLst>
+              </p:cNvPr>
+              <p:cNvSpPr>
+                <a:spLocks noRot="1" noChangeAspect="1" noMove="1" noResize="1" noEditPoints="1" noAdjustHandles="1" noChangeArrowheads="1" noChangeShapeType="1" noTextEdit="1"/>
+              </p:cNvSpPr>
+              <p:nvPr/>
+            </p:nvSpPr>
+            <p:spPr>
+              <a:xfrm>
+                <a:off x="545301" y="3244179"/>
+                <a:ext cx="720000" cy="360000"/>
+              </a:xfrm>
+              <a:prstGeom prst="rect">
+                <a:avLst/>
+              </a:prstGeom>
+              <a:blipFill>
+                <a:blip r:embed="rId2"/>
+                <a:stretch>
+                  <a:fillRect b="-3390"/>
+                </a:stretch>
+              </a:blipFill>
+              <a:ln w="28575">
+                <a:noFill/>
+              </a:ln>
+            </p:spPr>
+            <p:txBody>
+              <a:bodyPr/>
+              <a:lstStyle/>
+              <a:p>
+                <a:r>
+                  <a:rPr lang="en-US">
+                    <a:noFill/>
+                  </a:rPr>
+                  <a:t> </a:t>
+                </a:r>
+              </a:p>
+            </p:txBody>
+          </p:sp>
+        </mc:Fallback>
+      </mc:AlternateContent>
+      <mc:AlternateContent xmlns:mc="http://schemas.openxmlformats.org/markup-compatibility/2006">
+        <mc:Choice xmlns:a14="http://schemas.microsoft.com/office/drawing/2010/main" Requires="a14">
           <p:sp>
             <p:nvSpPr>
               <p:cNvPr id="9" name="矩形 8">
@@ -3363,12 +3525,17 @@
             </p:nvSpPr>
             <p:spPr>
               <a:xfrm>
-                <a:off x="2150847" y="2690921"/>
+                <a:off x="2049215" y="2809062"/>
                 <a:ext cx="1486680" cy="388259"/>
               </a:xfrm>
               <a:prstGeom prst="rect">
                 <a:avLst/>
               </a:prstGeom>
+              <a:solidFill>
+                <a:schemeClr val="bg2">
+                  <a:lumMod val="75000"/>
+                </a:schemeClr>
+              </a:solidFill>
               <a:ln>
                 <a:noFill/>
               </a:ln>
@@ -3541,7 +3708,7 @@
             </p:txBody>
           </p:sp>
         </mc:Choice>
-        <mc:Fallback xmlns="">
+        <mc:Fallback>
           <p:sp>
             <p:nvSpPr>
               <p:cNvPr id="9" name="矩形 8">
@@ -3558,14 +3725,14 @@
             </p:nvSpPr>
             <p:spPr>
               <a:xfrm>
-                <a:off x="2150847" y="2690921"/>
+                <a:off x="2049215" y="2809062"/>
                 <a:ext cx="1486680" cy="388259"/>
               </a:xfrm>
               <a:prstGeom prst="rect">
                 <a:avLst/>
               </a:prstGeom>
               <a:blipFill>
-                <a:blip r:embed="rId2"/>
+                <a:blip r:embed="rId3"/>
                 <a:stretch>
                   <a:fillRect/>
                 </a:stretch>
@@ -3589,14 +3756,14 @@
           </p:sp>
         </mc:Fallback>
       </mc:AlternateContent>
-      <mc:AlternateContent xmlns:mc="http://schemas.openxmlformats.org/markup-compatibility/2006" xmlns:a14="http://schemas.microsoft.com/office/drawing/2010/main">
-        <mc:Choice Requires="a14">
+      <mc:AlternateContent xmlns:mc="http://schemas.openxmlformats.org/markup-compatibility/2006">
+        <mc:Choice xmlns:a14="http://schemas.microsoft.com/office/drawing/2010/main" Requires="a14">
           <p:sp>
             <p:nvSpPr>
-              <p:cNvPr id="10" name="矩形 9">
+              <p:cNvPr id="11" name="矩形 10">
                 <a:extLst>
                   <a:ext uri="{FF2B5EF4-FFF2-40B4-BE49-F238E27FC236}">
-                    <a16:creationId xmlns:a16="http://schemas.microsoft.com/office/drawing/2014/main" id="{721B0859-6F28-A92F-A66A-0F7145E5EFFE}"/>
+                    <a16:creationId xmlns:a16="http://schemas.microsoft.com/office/drawing/2014/main" id="{6CE7A647-7D42-66A3-9969-260D00DE0E1B}"/>
                   </a:ext>
                 </a:extLst>
               </p:cNvPr>
@@ -3605,16 +3772,20 @@
             </p:nvSpPr>
             <p:spPr>
               <a:xfrm>
-                <a:off x="365276" y="3212490"/>
-                <a:ext cx="979712" cy="388259"/>
+                <a:off x="1947720" y="3636973"/>
+                <a:ext cx="720000" cy="360000"/>
               </a:xfrm>
               <a:prstGeom prst="rect">
                 <a:avLst/>
               </a:prstGeom>
+              <a:solidFill>
+                <a:schemeClr val="accent4">
+                  <a:lumMod val="60000"/>
+                  <a:lumOff val="40000"/>
+                </a:schemeClr>
+              </a:solidFill>
               <a:ln w="28575">
-                <a:solidFill>
-                  <a:schemeClr val="accent2"/>
-                </a:solidFill>
+                <a:noFill/>
               </a:ln>
             </p:spPr>
             <p:style>
@@ -3683,7 +3854,7 @@
                               </a:solidFill>
                               <a:latin typeface="Cambria Math" panose="02040503050406030204" pitchFamily="18" charset="0"/>
                             </a:rPr>
-                            <m:t>𝑄</m:t>
+                            <m:t>𝑅</m:t>
                           </m:r>
                         </m:e>
                       </m:d>
@@ -3699,13 +3870,13 @@
             </p:txBody>
           </p:sp>
         </mc:Choice>
-        <mc:Fallback xmlns="">
+        <mc:Fallback>
           <p:sp>
             <p:nvSpPr>
-              <p:cNvPr id="10" name="矩形 9">
+              <p:cNvPr id="11" name="矩形 10">
                 <a:extLst>
                   <a:ext uri="{FF2B5EF4-FFF2-40B4-BE49-F238E27FC236}">
-                    <a16:creationId xmlns:a16="http://schemas.microsoft.com/office/drawing/2014/main" id="{721B0859-6F28-A92F-A66A-0F7145E5EFFE}"/>
+                    <a16:creationId xmlns:a16="http://schemas.microsoft.com/office/drawing/2014/main" id="{6CE7A647-7D42-66A3-9969-260D00DE0E1B}"/>
                   </a:ext>
                 </a:extLst>
               </p:cNvPr>
@@ -3716,22 +3887,20 @@
             </p:nvSpPr>
             <p:spPr>
               <a:xfrm>
-                <a:off x="365276" y="3212490"/>
-                <a:ext cx="979712" cy="388259"/>
+                <a:off x="1947720" y="3636973"/>
+                <a:ext cx="720000" cy="360000"/>
               </a:xfrm>
               <a:prstGeom prst="rect">
                 <a:avLst/>
               </a:prstGeom>
               <a:blipFill>
-                <a:blip r:embed="rId3"/>
+                <a:blip r:embed="rId4"/>
                 <a:stretch>
                   <a:fillRect/>
                 </a:stretch>
               </a:blipFill>
               <a:ln w="28575">
-                <a:solidFill>
-                  <a:schemeClr val="accent2"/>
-                </a:solidFill>
+                <a:noFill/>
               </a:ln>
             </p:spPr>
             <p:txBody>
@@ -3749,168 +3918,8 @@
           </p:sp>
         </mc:Fallback>
       </mc:AlternateContent>
-      <mc:AlternateContent xmlns:mc="http://schemas.openxmlformats.org/markup-compatibility/2006" xmlns:a14="http://schemas.microsoft.com/office/drawing/2010/main">
-        <mc:Choice Requires="a14">
-          <p:sp>
-            <p:nvSpPr>
-              <p:cNvPr id="11" name="矩形 10">
-                <a:extLst>
-                  <a:ext uri="{FF2B5EF4-FFF2-40B4-BE49-F238E27FC236}">
-                    <a16:creationId xmlns:a16="http://schemas.microsoft.com/office/drawing/2014/main" id="{6CE7A647-7D42-66A3-9969-260D00DE0E1B}"/>
-                  </a:ext>
-                </a:extLst>
-              </p:cNvPr>
-              <p:cNvSpPr/>
-              <p:nvPr/>
-            </p:nvSpPr>
-            <p:spPr>
-              <a:xfrm>
-                <a:off x="1810835" y="3802022"/>
-                <a:ext cx="979712" cy="388259"/>
-              </a:xfrm>
-              <a:prstGeom prst="rect">
-                <a:avLst/>
-              </a:prstGeom>
-              <a:ln w="28575">
-                <a:solidFill>
-                  <a:schemeClr val="accent2"/>
-                </a:solidFill>
-              </a:ln>
-            </p:spPr>
-            <p:style>
-              <a:lnRef idx="2">
-                <a:schemeClr val="accent4">
-                  <a:shade val="15000"/>
-                </a:schemeClr>
-              </a:lnRef>
-              <a:fillRef idx="1">
-                <a:schemeClr val="accent4"/>
-              </a:fillRef>
-              <a:effectRef idx="0">
-                <a:schemeClr val="accent4"/>
-              </a:effectRef>
-              <a:fontRef idx="minor">
-                <a:schemeClr val="lt1"/>
-              </a:fontRef>
-            </p:style>
-            <p:txBody>
-              <a:bodyPr rtlCol="0" anchor="ctr"/>
-              <a:lstStyle/>
-              <a:p>
-                <a:pPr algn="ctr"/>
-                <a14:m>
-                  <m:oMathPara xmlns:m="http://schemas.openxmlformats.org/officeDocument/2006/math">
-                    <m:oMathParaPr>
-                      <m:jc m:val="centerGroup"/>
-                    </m:oMathParaPr>
-                    <m:oMath xmlns:m="http://schemas.openxmlformats.org/officeDocument/2006/math">
-                      <m:d>
-                        <m:dPr>
-                          <m:begChr m:val="["/>
-                          <m:endChr m:val="]"/>
-                          <m:ctrlPr>
-                            <a:rPr lang="en-US" sz="1600" b="0" i="1" smtClean="0">
-                              <a:solidFill>
-                                <a:schemeClr val="tx1"/>
-                              </a:solidFill>
-                              <a:latin typeface="Cambria Math" panose="02040503050406030204" pitchFamily="18" charset="0"/>
-                            </a:rPr>
-                          </m:ctrlPr>
-                        </m:dPr>
-                        <m:e>
-                          <m:r>
-                            <a:rPr lang="en-US" sz="1600" b="0" i="1" smtClean="0">
-                              <a:solidFill>
-                                <a:schemeClr val="tx1"/>
-                              </a:solidFill>
-                              <a:latin typeface="Cambria Math" panose="02040503050406030204" pitchFamily="18" charset="0"/>
-                            </a:rPr>
-                            <m:t>𝑃</m:t>
-                          </m:r>
-                          <m:r>
-                            <a:rPr lang="en-US" sz="1600" b="0" i="1" smtClean="0">
-                              <a:solidFill>
-                                <a:schemeClr val="tx1"/>
-                              </a:solidFill>
-                              <a:latin typeface="Cambria Math" panose="02040503050406030204" pitchFamily="18" charset="0"/>
-                            </a:rPr>
-                            <m:t>, </m:t>
-                          </m:r>
-                          <m:r>
-                            <a:rPr lang="en-US" sz="1600" b="0" i="1" smtClean="0">
-                              <a:solidFill>
-                                <a:schemeClr val="tx1"/>
-                              </a:solidFill>
-                              <a:latin typeface="Cambria Math" panose="02040503050406030204" pitchFamily="18" charset="0"/>
-                            </a:rPr>
-                            <m:t>𝑅</m:t>
-                          </m:r>
-                        </m:e>
-                      </m:d>
-                    </m:oMath>
-                  </m:oMathPara>
-                </a14:m>
-                <a:endParaRPr lang="en-US" sz="1600" dirty="0">
-                  <a:solidFill>
-                    <a:schemeClr val="tx1"/>
-                  </a:solidFill>
-                </a:endParaRPr>
-              </a:p>
-            </p:txBody>
-          </p:sp>
-        </mc:Choice>
-        <mc:Fallback xmlns="">
-          <p:sp>
-            <p:nvSpPr>
-              <p:cNvPr id="11" name="矩形 10">
-                <a:extLst>
-                  <a:ext uri="{FF2B5EF4-FFF2-40B4-BE49-F238E27FC236}">
-                    <a16:creationId xmlns:a16="http://schemas.microsoft.com/office/drawing/2014/main" id="{6CE7A647-7D42-66A3-9969-260D00DE0E1B}"/>
-                  </a:ext>
-                </a:extLst>
-              </p:cNvPr>
-              <p:cNvSpPr>
-                <a:spLocks noRot="1" noChangeAspect="1" noMove="1" noResize="1" noEditPoints="1" noAdjustHandles="1" noChangeArrowheads="1" noChangeShapeType="1" noTextEdit="1"/>
-              </p:cNvSpPr>
-              <p:nvPr/>
-            </p:nvSpPr>
-            <p:spPr>
-              <a:xfrm>
-                <a:off x="1810835" y="3802022"/>
-                <a:ext cx="979712" cy="388259"/>
-              </a:xfrm>
-              <a:prstGeom prst="rect">
-                <a:avLst/>
-              </a:prstGeom>
-              <a:blipFill>
-                <a:blip r:embed="rId4"/>
-                <a:stretch>
-                  <a:fillRect/>
-                </a:stretch>
-              </a:blipFill>
-              <a:ln w="28575">
-                <a:solidFill>
-                  <a:schemeClr val="accent2"/>
-                </a:solidFill>
-              </a:ln>
-            </p:spPr>
-            <p:txBody>
-              <a:bodyPr/>
-              <a:lstStyle/>
-              <a:p>
-                <a:r>
-                  <a:rPr lang="en-US">
-                    <a:noFill/>
-                  </a:rPr>
-                  <a:t> </a:t>
-                </a:r>
-              </a:p>
-            </p:txBody>
-          </p:sp>
-        </mc:Fallback>
-      </mc:AlternateContent>
-      <mc:AlternateContent xmlns:mc="http://schemas.openxmlformats.org/markup-compatibility/2006" xmlns:a14="http://schemas.microsoft.com/office/drawing/2010/main">
-        <mc:Choice Requires="a14">
+      <mc:AlternateContent xmlns:mc="http://schemas.openxmlformats.org/markup-compatibility/2006">
+        <mc:Choice xmlns:a14="http://schemas.microsoft.com/office/drawing/2010/main" Requires="a14">
           <p:sp>
             <p:nvSpPr>
               <p:cNvPr id="12" name="矩形 11">
@@ -3925,12 +3934,18 @@
             </p:nvSpPr>
             <p:spPr>
               <a:xfrm>
-                <a:off x="3020765" y="3802022"/>
-                <a:ext cx="979712" cy="388259"/>
+                <a:off x="2889796" y="3638842"/>
+                <a:ext cx="720000" cy="360000"/>
               </a:xfrm>
               <a:prstGeom prst="rect">
                 <a:avLst/>
               </a:prstGeom>
+              <a:solidFill>
+                <a:schemeClr val="accent4">
+                  <a:lumMod val="60000"/>
+                  <a:lumOff val="40000"/>
+                </a:schemeClr>
+              </a:solidFill>
               <a:ln>
                 <a:noFill/>
               </a:ln>
@@ -4017,7 +4032,7 @@
             </p:txBody>
           </p:sp>
         </mc:Choice>
-        <mc:Fallback xmlns="">
+        <mc:Fallback>
           <p:sp>
             <p:nvSpPr>
               <p:cNvPr id="12" name="矩形 11">
@@ -4034,8 +4049,8 @@
             </p:nvSpPr>
             <p:spPr>
               <a:xfrm>
-                <a:off x="3020765" y="3802022"/>
-                <a:ext cx="979712" cy="388259"/>
+                <a:off x="2889796" y="3638842"/>
+                <a:ext cx="720000" cy="360000"/>
               </a:xfrm>
               <a:prstGeom prst="rect">
                 <a:avLst/>
@@ -4043,7 +4058,7 @@
               <a:blipFill>
                 <a:blip r:embed="rId5"/>
                 <a:stretch>
-                  <a:fillRect/>
+                  <a:fillRect b="-3390"/>
                 </a:stretch>
               </a:blipFill>
               <a:ln>
@@ -4082,8 +4097,8 @@
         </p:nvCxnSpPr>
         <p:spPr>
           <a:xfrm rot="5400000">
-            <a:off x="2236018" y="3143853"/>
-            <a:ext cx="722842" cy="593496"/>
+            <a:off x="2330312" y="3174730"/>
+            <a:ext cx="439652" cy="484835"/>
           </a:xfrm>
           <a:prstGeom prst="curvedConnector3">
             <a:avLst/>
@@ -4128,8 +4143,8 @@
         </p:nvCxnSpPr>
         <p:spPr>
           <a:xfrm rot="16200000" flipH="1">
-            <a:off x="2840983" y="3132384"/>
-            <a:ext cx="722842" cy="616434"/>
+            <a:off x="2800415" y="3189460"/>
+            <a:ext cx="441521" cy="457241"/>
           </a:xfrm>
           <a:prstGeom prst="curvedConnector3">
             <a:avLst/>
@@ -4160,6 +4175,254 @@
         <mc:Choice xmlns:a14="http://schemas.microsoft.com/office/drawing/2010/main" Requires="a14">
           <p:sp>
             <p:nvSpPr>
+              <p:cNvPr id="52" name="文本框 51">
+                <a:extLst>
+                  <a:ext uri="{FF2B5EF4-FFF2-40B4-BE49-F238E27FC236}">
+                    <a16:creationId xmlns:a16="http://schemas.microsoft.com/office/drawing/2014/main" id="{FA156094-2ABC-6460-0730-F17FAC2AECCC}"/>
+                  </a:ext>
+                </a:extLst>
+              </p:cNvPr>
+              <p:cNvSpPr txBox="1"/>
+              <p:nvPr/>
+            </p:nvSpPr>
+            <p:spPr>
+              <a:xfrm>
+                <a:off x="1957277" y="3197321"/>
+                <a:ext cx="440657" cy="338554"/>
+              </a:xfrm>
+              <a:prstGeom prst="rect">
+                <a:avLst/>
+              </a:prstGeom>
+              <a:noFill/>
+            </p:spPr>
+            <p:txBody>
+              <a:bodyPr wrap="square">
+                <a:spAutoFit/>
+              </a:bodyPr>
+              <a:lstStyle/>
+              <a:p>
+                <a:pPr/>
+                <a14:m>
+                  <m:oMathPara xmlns:m="http://schemas.openxmlformats.org/officeDocument/2006/math">
+                    <m:oMathParaPr>
+                      <m:jc m:val="centerGroup"/>
+                    </m:oMathParaPr>
+                    <m:oMath xmlns:m="http://schemas.openxmlformats.org/officeDocument/2006/math">
+                      <m:sSub>
+                        <m:sSubPr>
+                          <m:ctrlPr>
+                            <a:rPr lang="en-US" sz="1600" b="0" i="1" smtClean="0">
+                              <a:solidFill>
+                                <a:schemeClr val="tx1"/>
+                              </a:solidFill>
+                              <a:latin typeface="Cambria Math" panose="02040503050406030204" pitchFamily="18" charset="0"/>
+                            </a:rPr>
+                          </m:ctrlPr>
+                        </m:sSubPr>
+                        <m:e>
+                          <m:r>
+                            <a:rPr lang="en-US" sz="1600" b="0" i="1" smtClean="0">
+                              <a:solidFill>
+                                <a:schemeClr val="tx1"/>
+                              </a:solidFill>
+                              <a:latin typeface="Cambria Math" panose="02040503050406030204" pitchFamily="18" charset="0"/>
+                            </a:rPr>
+                            <m:t>𝑆</m:t>
+                          </m:r>
+                        </m:e>
+                        <m:sub>
+                          <m:r>
+                            <a:rPr lang="en-US" sz="1600" b="0" i="1" smtClean="0">
+                              <a:solidFill>
+                                <a:schemeClr val="tx1"/>
+                              </a:solidFill>
+                              <a:latin typeface="Cambria Math" panose="02040503050406030204" pitchFamily="18" charset="0"/>
+                            </a:rPr>
+                            <m:t>0</m:t>
+                          </m:r>
+                        </m:sub>
+                      </m:sSub>
+                    </m:oMath>
+                  </m:oMathPara>
+                </a14:m>
+                <a:endParaRPr lang="en-US" sz="1600" dirty="0"/>
+              </a:p>
+            </p:txBody>
+          </p:sp>
+        </mc:Choice>
+        <mc:Fallback>
+          <p:sp>
+            <p:nvSpPr>
+              <p:cNvPr id="52" name="文本框 51">
+                <a:extLst>
+                  <a:ext uri="{FF2B5EF4-FFF2-40B4-BE49-F238E27FC236}">
+                    <a16:creationId xmlns:a16="http://schemas.microsoft.com/office/drawing/2014/main" id="{FA156094-2ABC-6460-0730-F17FAC2AECCC}"/>
+                  </a:ext>
+                </a:extLst>
+              </p:cNvPr>
+              <p:cNvSpPr txBox="1">
+                <a:spLocks noRot="1" noChangeAspect="1" noMove="1" noResize="1" noEditPoints="1" noAdjustHandles="1" noChangeArrowheads="1" noChangeShapeType="1" noTextEdit="1"/>
+              </p:cNvSpPr>
+              <p:nvPr/>
+            </p:nvSpPr>
+            <p:spPr>
+              <a:xfrm>
+                <a:off x="1957277" y="3197321"/>
+                <a:ext cx="440657" cy="338554"/>
+              </a:xfrm>
+              <a:prstGeom prst="rect">
+                <a:avLst/>
+              </a:prstGeom>
+              <a:blipFill>
+                <a:blip r:embed="rId6"/>
+                <a:stretch>
+                  <a:fillRect/>
+                </a:stretch>
+              </a:blipFill>
+            </p:spPr>
+            <p:txBody>
+              <a:bodyPr/>
+              <a:lstStyle/>
+              <a:p>
+                <a:r>
+                  <a:rPr lang="en-US">
+                    <a:noFill/>
+                  </a:rPr>
+                  <a:t> </a:t>
+                </a:r>
+              </a:p>
+            </p:txBody>
+          </p:sp>
+        </mc:Fallback>
+      </mc:AlternateContent>
+      <mc:AlternateContent xmlns:mc="http://schemas.openxmlformats.org/markup-compatibility/2006">
+        <mc:Choice xmlns:a14="http://schemas.microsoft.com/office/drawing/2010/main" Requires="a14">
+          <p:sp>
+            <p:nvSpPr>
+              <p:cNvPr id="54" name="文本框 53">
+                <a:extLst>
+                  <a:ext uri="{FF2B5EF4-FFF2-40B4-BE49-F238E27FC236}">
+                    <a16:creationId xmlns:a16="http://schemas.microsoft.com/office/drawing/2014/main" id="{0B00B00B-1C43-76EC-8991-10A87164E262}"/>
+                  </a:ext>
+                </a:extLst>
+              </p:cNvPr>
+              <p:cNvSpPr txBox="1"/>
+              <p:nvPr/>
+            </p:nvSpPr>
+            <p:spPr>
+              <a:xfrm>
+                <a:off x="3229076" y="3214967"/>
+                <a:ext cx="364718" cy="338554"/>
+              </a:xfrm>
+              <a:prstGeom prst="rect">
+                <a:avLst/>
+              </a:prstGeom>
+              <a:noFill/>
+            </p:spPr>
+            <p:txBody>
+              <a:bodyPr wrap="square">
+                <a:spAutoFit/>
+              </a:bodyPr>
+              <a:lstStyle/>
+              <a:p>
+                <a:pPr/>
+                <a14:m>
+                  <m:oMathPara xmlns:m="http://schemas.openxmlformats.org/officeDocument/2006/math">
+                    <m:oMathParaPr>
+                      <m:jc m:val="centerGroup"/>
+                    </m:oMathParaPr>
+                    <m:oMath xmlns:m="http://schemas.openxmlformats.org/officeDocument/2006/math">
+                      <m:sSub>
+                        <m:sSubPr>
+                          <m:ctrlPr>
+                            <a:rPr lang="en-US" sz="1600" b="0" i="1" smtClean="0">
+                              <a:solidFill>
+                                <a:schemeClr val="tx1"/>
+                              </a:solidFill>
+                              <a:latin typeface="Cambria Math" panose="02040503050406030204" pitchFamily="18" charset="0"/>
+                            </a:rPr>
+                          </m:ctrlPr>
+                        </m:sSubPr>
+                        <m:e>
+                          <m:r>
+                            <a:rPr lang="en-US" sz="1600" b="0" i="1" smtClean="0">
+                              <a:solidFill>
+                                <a:schemeClr val="tx1"/>
+                              </a:solidFill>
+                              <a:latin typeface="Cambria Math" panose="02040503050406030204" pitchFamily="18" charset="0"/>
+                            </a:rPr>
+                            <m:t>𝑆</m:t>
+                          </m:r>
+                        </m:e>
+                        <m:sub>
+                          <m:r>
+                            <a:rPr lang="en-US" sz="1600" b="0" i="1" smtClean="0">
+                              <a:solidFill>
+                                <a:schemeClr val="tx1"/>
+                              </a:solidFill>
+                              <a:latin typeface="Cambria Math" panose="02040503050406030204" pitchFamily="18" charset="0"/>
+                            </a:rPr>
+                            <m:t>1</m:t>
+                          </m:r>
+                        </m:sub>
+                      </m:sSub>
+                    </m:oMath>
+                  </m:oMathPara>
+                </a14:m>
+                <a:endParaRPr lang="en-US" sz="1600" dirty="0"/>
+              </a:p>
+            </p:txBody>
+          </p:sp>
+        </mc:Choice>
+        <mc:Fallback>
+          <p:sp>
+            <p:nvSpPr>
+              <p:cNvPr id="54" name="文本框 53">
+                <a:extLst>
+                  <a:ext uri="{FF2B5EF4-FFF2-40B4-BE49-F238E27FC236}">
+                    <a16:creationId xmlns:a16="http://schemas.microsoft.com/office/drawing/2014/main" id="{0B00B00B-1C43-76EC-8991-10A87164E262}"/>
+                  </a:ext>
+                </a:extLst>
+              </p:cNvPr>
+              <p:cNvSpPr txBox="1">
+                <a:spLocks noRot="1" noChangeAspect="1" noMove="1" noResize="1" noEditPoints="1" noAdjustHandles="1" noChangeArrowheads="1" noChangeShapeType="1" noTextEdit="1"/>
+              </p:cNvSpPr>
+              <p:nvPr/>
+            </p:nvSpPr>
+            <p:spPr>
+              <a:xfrm>
+                <a:off x="3229076" y="3214967"/>
+                <a:ext cx="364718" cy="338554"/>
+              </a:xfrm>
+              <a:prstGeom prst="rect">
+                <a:avLst/>
+              </a:prstGeom>
+              <a:blipFill>
+                <a:blip r:embed="rId7"/>
+                <a:stretch>
+                  <a:fillRect/>
+                </a:stretch>
+              </a:blipFill>
+            </p:spPr>
+            <p:txBody>
+              <a:bodyPr/>
+              <a:lstStyle/>
+              <a:p>
+                <a:r>
+                  <a:rPr lang="en-US">
+                    <a:noFill/>
+                  </a:rPr>
+                  <a:t> </a:t>
+                </a:r>
+              </a:p>
+            </p:txBody>
+          </p:sp>
+        </mc:Fallback>
+      </mc:AlternateContent>
+      <mc:AlternateContent xmlns:mc="http://schemas.openxmlformats.org/markup-compatibility/2006">
+        <mc:Choice xmlns:a14="http://schemas.microsoft.com/office/drawing/2010/main" Requires="a14">
+          <p:sp>
+            <p:nvSpPr>
               <p:cNvPr id="29" name="矩形 28">
                 <a:extLst>
                   <a:ext uri="{FF2B5EF4-FFF2-40B4-BE49-F238E27FC236}">
@@ -4172,12 +4435,17 @@
             </p:nvSpPr>
             <p:spPr>
               <a:xfrm>
-                <a:off x="5124191" y="2478048"/>
+                <a:off x="4789463" y="2812563"/>
                 <a:ext cx="1486680" cy="388259"/>
               </a:xfrm>
               <a:prstGeom prst="rect">
                 <a:avLst/>
               </a:prstGeom>
+              <a:solidFill>
+                <a:schemeClr val="bg2">
+                  <a:lumMod val="75000"/>
+                </a:schemeClr>
+              </a:solidFill>
               <a:ln>
                 <a:noFill/>
               </a:ln>
@@ -4367,14 +4635,14 @@
             </p:nvSpPr>
             <p:spPr>
               <a:xfrm>
-                <a:off x="5124191" y="2478048"/>
+                <a:off x="4789463" y="2812563"/>
                 <a:ext cx="1486680" cy="388259"/>
               </a:xfrm>
               <a:prstGeom prst="rect">
                 <a:avLst/>
               </a:prstGeom>
               <a:blipFill>
-                <a:blip r:embed="rId6"/>
+                <a:blip r:embed="rId8"/>
                 <a:stretch>
                   <a:fillRect/>
                 </a:stretch>
@@ -4414,12 +4682,17 @@
             </p:nvSpPr>
             <p:spPr>
               <a:xfrm>
-                <a:off x="4311330" y="3589152"/>
-                <a:ext cx="1625723" cy="876414"/>
+                <a:off x="4252194" y="3619203"/>
+                <a:ext cx="1443134" cy="402542"/>
               </a:xfrm>
               <a:prstGeom prst="rect">
                 <a:avLst/>
               </a:prstGeom>
+              <a:solidFill>
+                <a:schemeClr val="bg2">
+                  <a:lumMod val="75000"/>
+                </a:schemeClr>
+              </a:solidFill>
               <a:ln>
                 <a:noFill/>
               </a:ln>
@@ -4503,111 +4776,19 @@
                         </a:rPr>
                         <m:t>⊑</m:t>
                       </m:r>
-                    </m:oMath>
-                    <m:oMath xmlns:m="http://schemas.openxmlformats.org/officeDocument/2006/math">
-                      <m:d>
-                        <m:dPr>
-                          <m:begChr m:val="["/>
-                          <m:endChr m:val="]"/>
-                          <m:ctrlPr>
-                            <a:rPr lang="en-US" sz="1600" b="0" i="1" smtClean="0">
-                              <a:solidFill>
-                                <a:schemeClr val="tx1"/>
-                              </a:solidFill>
-                              <a:latin typeface="Cambria Math" panose="02040503050406030204" pitchFamily="18" charset="0"/>
-                            </a:rPr>
-                          </m:ctrlPr>
-                        </m:dPr>
-                        <m:e>
-                          <m:r>
-                            <a:rPr lang="en-US" sz="1600" b="0" i="1" smtClean="0">
-                              <a:solidFill>
-                                <a:schemeClr val="tx1"/>
-                              </a:solidFill>
-                              <a:latin typeface="Cambria Math" panose="02040503050406030204" pitchFamily="18" charset="0"/>
-                            </a:rPr>
-                            <m:t>𝑞</m:t>
-                          </m:r>
-                          <m:r>
-                            <a:rPr lang="en-US" sz="1600" b="0" i="1" smtClean="0">
-                              <a:solidFill>
-                                <a:schemeClr val="tx1"/>
-                              </a:solidFill>
-                              <a:latin typeface="Cambria Math" panose="02040503050406030204" pitchFamily="18" charset="0"/>
-                            </a:rPr>
-                            <m:t>0 </m:t>
-                          </m:r>
-                          <m:r>
-                            <a:rPr lang="en-US" sz="1600" b="0" i="1" smtClean="0">
-                              <a:solidFill>
-                                <a:schemeClr val="tx1"/>
-                              </a:solidFill>
-                              <a:latin typeface="Cambria Math" panose="02040503050406030204" pitchFamily="18" charset="0"/>
-                            </a:rPr>
-                            <m:t>𝑞</m:t>
-                          </m:r>
-                          <m:r>
-                            <a:rPr lang="en-US" sz="1600" b="0" i="1" smtClean="0">
-                              <a:solidFill>
-                                <a:schemeClr val="tx1"/>
-                              </a:solidFill>
-                              <a:latin typeface="Cambria Math" panose="02040503050406030204" pitchFamily="18" charset="0"/>
-                            </a:rPr>
-                            <m:t>1</m:t>
-                          </m:r>
-                        </m:e>
-                      </m:d>
                       <m:r>
-                        <a:rPr lang="en-US" sz="1600" b="0" i="1" smtClean="0">
+                        <a:rPr lang="en-US" sz="1600" b="1" i="0" smtClean="0">
                           <a:solidFill>
                             <a:schemeClr val="tx1"/>
                           </a:solidFill>
                           <a:latin typeface="Cambria Math" panose="02040503050406030204" pitchFamily="18" charset="0"/>
                         </a:rPr>
-                        <m:t>≔0;</m:t>
-                      </m:r>
-                    </m:oMath>
-                    <m:oMath xmlns:m="http://schemas.openxmlformats.org/officeDocument/2006/math">
-                      <m:r>
-                        <a:rPr lang="en-US" sz="1600" b="0" i="1" smtClean="0">
-                          <a:solidFill>
-                            <a:schemeClr val="tx1"/>
-                          </a:solidFill>
-                          <a:latin typeface="Cambria Math" panose="02040503050406030204" pitchFamily="18" charset="0"/>
-                        </a:rPr>
-                        <m:t>𝑋</m:t>
-                      </m:r>
-                      <m:r>
-                        <a:rPr lang="en-US" sz="1600" b="0" i="1" smtClean="0">
-                          <a:solidFill>
-                            <a:schemeClr val="tx1"/>
-                          </a:solidFill>
-                          <a:latin typeface="Cambria Math" panose="02040503050406030204" pitchFamily="18" charset="0"/>
-                        </a:rPr>
-                        <m:t>[</m:t>
-                      </m:r>
-                      <m:r>
-                        <a:rPr lang="en-US" sz="1600" b="0" i="1" smtClean="0">
-                          <a:solidFill>
-                            <a:schemeClr val="tx1"/>
-                          </a:solidFill>
-                          <a:latin typeface="Cambria Math" panose="02040503050406030204" pitchFamily="18" charset="0"/>
-                        </a:rPr>
-                        <m:t>𝑞</m:t>
-                      </m:r>
-                      <m:r>
-                        <a:rPr lang="en-US" sz="1600" b="0" i="1" smtClean="0">
-                          <a:solidFill>
-                            <a:schemeClr val="tx1"/>
-                          </a:solidFill>
-                          <a:latin typeface="Cambria Math" panose="02040503050406030204" pitchFamily="18" charset="0"/>
-                        </a:rPr>
-                        <m:t>0]</m:t>
+                        <m:t>𝐬𝐤𝐢𝐩</m:t>
                       </m:r>
                     </m:oMath>
                   </m:oMathPara>
                 </a14:m>
-                <a:endParaRPr lang="en-US" sz="1600" dirty="0">
+                <a:endParaRPr lang="en-US" sz="1600" b="1" dirty="0">
                   <a:solidFill>
                     <a:schemeClr val="tx1"/>
                   </a:solidFill>
@@ -4633,16 +4814,16 @@
             </p:nvSpPr>
             <p:spPr>
               <a:xfrm>
-                <a:off x="4311330" y="3589152"/>
-                <a:ext cx="1625723" cy="876414"/>
+                <a:off x="4252194" y="3619203"/>
+                <a:ext cx="1443134" cy="402542"/>
               </a:xfrm>
               <a:prstGeom prst="rect">
                 <a:avLst/>
               </a:prstGeom>
               <a:blipFill>
-                <a:blip r:embed="rId7"/>
+                <a:blip r:embed="rId9"/>
                 <a:stretch>
-                  <a:fillRect b="-694"/>
+                  <a:fillRect b="-1515"/>
                 </a:stretch>
               </a:blipFill>
               <a:ln>
@@ -4680,16 +4861,20 @@
             </p:nvSpPr>
             <p:spPr>
               <a:xfrm>
-                <a:off x="6107028" y="3589151"/>
-                <a:ext cx="979712" cy="388259"/>
+                <a:off x="5916143" y="3647414"/>
+                <a:ext cx="720000" cy="360000"/>
               </a:xfrm>
               <a:prstGeom prst="rect">
                 <a:avLst/>
               </a:prstGeom>
+              <a:solidFill>
+                <a:schemeClr val="accent4">
+                  <a:lumMod val="60000"/>
+                  <a:lumOff val="40000"/>
+                </a:schemeClr>
+              </a:solidFill>
               <a:ln w="28575">
-                <a:solidFill>
-                  <a:schemeClr val="accent2"/>
-                </a:solidFill>
+                <a:noFill/>
               </a:ln>
             </p:spPr>
             <p:style>
@@ -4791,22 +4976,20 @@
             </p:nvSpPr>
             <p:spPr>
               <a:xfrm>
-                <a:off x="6107028" y="3589151"/>
-                <a:ext cx="979712" cy="388259"/>
+                <a:off x="5916143" y="3647414"/>
+                <a:ext cx="720000" cy="360000"/>
               </a:xfrm>
               <a:prstGeom prst="rect">
                 <a:avLst/>
               </a:prstGeom>
               <a:blipFill>
-                <a:blip r:embed="rId8"/>
+                <a:blip r:embed="rId10"/>
                 <a:stretch>
-                  <a:fillRect/>
+                  <a:fillRect b="-3390"/>
                 </a:stretch>
               </a:blipFill>
               <a:ln w="28575">
-                <a:solidFill>
-                  <a:schemeClr val="accent2"/>
-                </a:solidFill>
+                <a:noFill/>
               </a:ln>
             </p:spPr>
             <p:txBody>
@@ -4842,8 +5025,8 @@
         </p:nvCxnSpPr>
         <p:spPr>
           <a:xfrm rot="5400000">
-            <a:off x="5134440" y="2856060"/>
-            <a:ext cx="722845" cy="743339"/>
+            <a:off x="5044092" y="3130491"/>
+            <a:ext cx="418381" cy="559042"/>
           </a:xfrm>
           <a:prstGeom prst="curvedConnector3">
             <a:avLst/>
@@ -4885,8 +5068,8 @@
         </p:nvCxnSpPr>
         <p:spPr>
           <a:xfrm rot="16200000" flipH="1">
-            <a:off x="5870785" y="2863052"/>
-            <a:ext cx="722844" cy="729353"/>
+            <a:off x="5681177" y="3052448"/>
+            <a:ext cx="446592" cy="743340"/>
           </a:xfrm>
           <a:prstGeom prst="curvedConnector3">
             <a:avLst/>
@@ -4910,254 +5093,6 @@
           </a:fontRef>
         </p:style>
       </p:cxnSp>
-      <mc:AlternateContent xmlns:mc="http://schemas.openxmlformats.org/markup-compatibility/2006" xmlns:a14="http://schemas.microsoft.com/office/drawing/2010/main">
-        <mc:Choice Requires="a14">
-          <p:sp>
-            <p:nvSpPr>
-              <p:cNvPr id="52" name="文本框 51">
-                <a:extLst>
-                  <a:ext uri="{FF2B5EF4-FFF2-40B4-BE49-F238E27FC236}">
-                    <a16:creationId xmlns:a16="http://schemas.microsoft.com/office/drawing/2014/main" id="{FA156094-2ABC-6460-0730-F17FAC2AECCC}"/>
-                  </a:ext>
-                </a:extLst>
-              </p:cNvPr>
-              <p:cNvSpPr txBox="1"/>
-              <p:nvPr/>
-            </p:nvSpPr>
-            <p:spPr>
-              <a:xfrm>
-                <a:off x="1933315" y="3266619"/>
-                <a:ext cx="440657" cy="338554"/>
-              </a:xfrm>
-              <a:prstGeom prst="rect">
-                <a:avLst/>
-              </a:prstGeom>
-              <a:noFill/>
-            </p:spPr>
-            <p:txBody>
-              <a:bodyPr wrap="square">
-                <a:spAutoFit/>
-              </a:bodyPr>
-              <a:lstStyle/>
-              <a:p>
-                <a:pPr/>
-                <a14:m>
-                  <m:oMathPara xmlns:m="http://schemas.openxmlformats.org/officeDocument/2006/math">
-                    <m:oMathParaPr>
-                      <m:jc m:val="centerGroup"/>
-                    </m:oMathParaPr>
-                    <m:oMath xmlns:m="http://schemas.openxmlformats.org/officeDocument/2006/math">
-                      <m:sSub>
-                        <m:sSubPr>
-                          <m:ctrlPr>
-                            <a:rPr lang="en-US" sz="1600" b="0" i="1" smtClean="0">
-                              <a:solidFill>
-                                <a:schemeClr val="tx1"/>
-                              </a:solidFill>
-                              <a:latin typeface="Cambria Math" panose="02040503050406030204" pitchFamily="18" charset="0"/>
-                            </a:rPr>
-                          </m:ctrlPr>
-                        </m:sSubPr>
-                        <m:e>
-                          <m:r>
-                            <a:rPr lang="en-US" sz="1600" b="0" i="1" smtClean="0">
-                              <a:solidFill>
-                                <a:schemeClr val="tx1"/>
-                              </a:solidFill>
-                              <a:latin typeface="Cambria Math" panose="02040503050406030204" pitchFamily="18" charset="0"/>
-                            </a:rPr>
-                            <m:t>𝑆</m:t>
-                          </m:r>
-                        </m:e>
-                        <m:sub>
-                          <m:r>
-                            <a:rPr lang="en-US" sz="1600" b="0" i="1" smtClean="0">
-                              <a:solidFill>
-                                <a:schemeClr val="tx1"/>
-                              </a:solidFill>
-                              <a:latin typeface="Cambria Math" panose="02040503050406030204" pitchFamily="18" charset="0"/>
-                            </a:rPr>
-                            <m:t>0</m:t>
-                          </m:r>
-                        </m:sub>
-                      </m:sSub>
-                    </m:oMath>
-                  </m:oMathPara>
-                </a14:m>
-                <a:endParaRPr lang="en-US" sz="1600" dirty="0"/>
-              </a:p>
-            </p:txBody>
-          </p:sp>
-        </mc:Choice>
-        <mc:Fallback xmlns="">
-          <p:sp>
-            <p:nvSpPr>
-              <p:cNvPr id="52" name="文本框 51">
-                <a:extLst>
-                  <a:ext uri="{FF2B5EF4-FFF2-40B4-BE49-F238E27FC236}">
-                    <a16:creationId xmlns:a16="http://schemas.microsoft.com/office/drawing/2014/main" id="{FA156094-2ABC-6460-0730-F17FAC2AECCC}"/>
-                  </a:ext>
-                </a:extLst>
-              </p:cNvPr>
-              <p:cNvSpPr txBox="1">
-                <a:spLocks noRot="1" noChangeAspect="1" noMove="1" noResize="1" noEditPoints="1" noAdjustHandles="1" noChangeArrowheads="1" noChangeShapeType="1" noTextEdit="1"/>
-              </p:cNvSpPr>
-              <p:nvPr/>
-            </p:nvSpPr>
-            <p:spPr>
-              <a:xfrm>
-                <a:off x="1933315" y="3266619"/>
-                <a:ext cx="440657" cy="338554"/>
-              </a:xfrm>
-              <a:prstGeom prst="rect">
-                <a:avLst/>
-              </a:prstGeom>
-              <a:blipFill>
-                <a:blip r:embed="rId9"/>
-                <a:stretch>
-                  <a:fillRect/>
-                </a:stretch>
-              </a:blipFill>
-            </p:spPr>
-            <p:txBody>
-              <a:bodyPr/>
-              <a:lstStyle/>
-              <a:p>
-                <a:r>
-                  <a:rPr lang="en-US">
-                    <a:noFill/>
-                  </a:rPr>
-                  <a:t> </a:t>
-                </a:r>
-              </a:p>
-            </p:txBody>
-          </p:sp>
-        </mc:Fallback>
-      </mc:AlternateContent>
-      <mc:AlternateContent xmlns:mc="http://schemas.openxmlformats.org/markup-compatibility/2006" xmlns:a14="http://schemas.microsoft.com/office/drawing/2010/main">
-        <mc:Choice Requires="a14">
-          <p:sp>
-            <p:nvSpPr>
-              <p:cNvPr id="54" name="文本框 53">
-                <a:extLst>
-                  <a:ext uri="{FF2B5EF4-FFF2-40B4-BE49-F238E27FC236}">
-                    <a16:creationId xmlns:a16="http://schemas.microsoft.com/office/drawing/2014/main" id="{0B00B00B-1C43-76EC-8991-10A87164E262}"/>
-                  </a:ext>
-                </a:extLst>
-              </p:cNvPr>
-              <p:cNvSpPr txBox="1"/>
-              <p:nvPr/>
-            </p:nvSpPr>
-            <p:spPr>
-              <a:xfrm>
-                <a:off x="3434513" y="3272004"/>
-                <a:ext cx="364718" cy="338554"/>
-              </a:xfrm>
-              <a:prstGeom prst="rect">
-                <a:avLst/>
-              </a:prstGeom>
-              <a:noFill/>
-            </p:spPr>
-            <p:txBody>
-              <a:bodyPr wrap="square">
-                <a:spAutoFit/>
-              </a:bodyPr>
-              <a:lstStyle/>
-              <a:p>
-                <a:pPr/>
-                <a14:m>
-                  <m:oMathPara xmlns:m="http://schemas.openxmlformats.org/officeDocument/2006/math">
-                    <m:oMathParaPr>
-                      <m:jc m:val="centerGroup"/>
-                    </m:oMathParaPr>
-                    <m:oMath xmlns:m="http://schemas.openxmlformats.org/officeDocument/2006/math">
-                      <m:sSub>
-                        <m:sSubPr>
-                          <m:ctrlPr>
-                            <a:rPr lang="en-US" sz="1600" b="0" i="1" smtClean="0">
-                              <a:solidFill>
-                                <a:schemeClr val="tx1"/>
-                              </a:solidFill>
-                              <a:latin typeface="Cambria Math" panose="02040503050406030204" pitchFamily="18" charset="0"/>
-                            </a:rPr>
-                          </m:ctrlPr>
-                        </m:sSubPr>
-                        <m:e>
-                          <m:r>
-                            <a:rPr lang="en-US" sz="1600" b="0" i="1" smtClean="0">
-                              <a:solidFill>
-                                <a:schemeClr val="tx1"/>
-                              </a:solidFill>
-                              <a:latin typeface="Cambria Math" panose="02040503050406030204" pitchFamily="18" charset="0"/>
-                            </a:rPr>
-                            <m:t>𝑆</m:t>
-                          </m:r>
-                        </m:e>
-                        <m:sub>
-                          <m:r>
-                            <a:rPr lang="en-US" sz="1600" b="0" i="1" smtClean="0">
-                              <a:solidFill>
-                                <a:schemeClr val="tx1"/>
-                              </a:solidFill>
-                              <a:latin typeface="Cambria Math" panose="02040503050406030204" pitchFamily="18" charset="0"/>
-                            </a:rPr>
-                            <m:t>1</m:t>
-                          </m:r>
-                        </m:sub>
-                      </m:sSub>
-                    </m:oMath>
-                  </m:oMathPara>
-                </a14:m>
-                <a:endParaRPr lang="en-US" sz="1600" dirty="0"/>
-              </a:p>
-            </p:txBody>
-          </p:sp>
-        </mc:Choice>
-        <mc:Fallback xmlns="">
-          <p:sp>
-            <p:nvSpPr>
-              <p:cNvPr id="54" name="文本框 53">
-                <a:extLst>
-                  <a:ext uri="{FF2B5EF4-FFF2-40B4-BE49-F238E27FC236}">
-                    <a16:creationId xmlns:a16="http://schemas.microsoft.com/office/drawing/2014/main" id="{0B00B00B-1C43-76EC-8991-10A87164E262}"/>
-                  </a:ext>
-                </a:extLst>
-              </p:cNvPr>
-              <p:cNvSpPr txBox="1">
-                <a:spLocks noRot="1" noChangeAspect="1" noMove="1" noResize="1" noEditPoints="1" noAdjustHandles="1" noChangeArrowheads="1" noChangeShapeType="1" noTextEdit="1"/>
-              </p:cNvSpPr>
-              <p:nvPr/>
-            </p:nvSpPr>
-            <p:spPr>
-              <a:xfrm>
-                <a:off x="3434513" y="3272004"/>
-                <a:ext cx="364718" cy="338554"/>
-              </a:xfrm>
-              <a:prstGeom prst="rect">
-                <a:avLst/>
-              </a:prstGeom>
-              <a:blipFill>
-                <a:blip r:embed="rId10"/>
-                <a:stretch>
-                  <a:fillRect/>
-                </a:stretch>
-              </a:blipFill>
-            </p:spPr>
-            <p:txBody>
-              <a:bodyPr/>
-              <a:lstStyle/>
-              <a:p>
-                <a:r>
-                  <a:rPr lang="en-US">
-                    <a:noFill/>
-                  </a:rPr>
-                  <a:t> </a:t>
-                </a:r>
-              </a:p>
-            </p:txBody>
-          </p:sp>
-        </mc:Fallback>
-      </mc:AlternateContent>
       <mc:AlternateContent xmlns:mc="http://schemas.openxmlformats.org/markup-compatibility/2006">
         <mc:Choice xmlns:a14="http://schemas.microsoft.com/office/drawing/2010/main" Requires="a14">
           <p:sp>
@@ -5174,7 +5109,7 @@
             </p:nvSpPr>
             <p:spPr>
               <a:xfrm>
-                <a:off x="4831765" y="3012480"/>
+                <a:off x="4623309" y="3197990"/>
                 <a:ext cx="390289" cy="344218"/>
               </a:xfrm>
               <a:prstGeom prst="rect">
@@ -5254,7 +5189,7 @@
             </p:nvSpPr>
             <p:spPr>
               <a:xfrm>
-                <a:off x="4831765" y="3012480"/>
+                <a:off x="4623309" y="3197990"/>
                 <a:ext cx="390289" cy="344218"/>
               </a:xfrm>
               <a:prstGeom prst="rect">
@@ -5298,7 +5233,7 @@
             </p:nvSpPr>
             <p:spPr>
               <a:xfrm>
-                <a:off x="6449670" y="3018144"/>
+                <a:off x="6138680" y="3200822"/>
                 <a:ext cx="364718" cy="338554"/>
               </a:xfrm>
               <a:prstGeom prst="rect">
@@ -5378,7 +5313,7 @@
             </p:nvSpPr>
             <p:spPr>
               <a:xfrm>
-                <a:off x="6449670" y="3018144"/>
+                <a:off x="6138680" y="3200822"/>
                 <a:ext cx="364718" cy="338554"/>
               </a:xfrm>
               <a:prstGeom prst="rect">
@@ -5406,8 +5341,8 @@
           </p:sp>
         </mc:Fallback>
       </mc:AlternateContent>
-      <mc:AlternateContent xmlns:mc="http://schemas.openxmlformats.org/markup-compatibility/2006" xmlns:a14="http://schemas.microsoft.com/office/drawing/2010/main">
-        <mc:Choice Requires="a14">
+      <mc:AlternateContent xmlns:mc="http://schemas.openxmlformats.org/markup-compatibility/2006">
+        <mc:Choice xmlns:a14="http://schemas.microsoft.com/office/drawing/2010/main" Requires="a14">
           <p:sp>
             <p:nvSpPr>
               <p:cNvPr id="58" name="矩形 57">
@@ -5422,12 +5357,17 @@
             </p:nvSpPr>
             <p:spPr>
               <a:xfrm>
-                <a:off x="8769402" y="2292980"/>
+                <a:off x="8416358" y="2175687"/>
                 <a:ext cx="1486680" cy="388259"/>
               </a:xfrm>
               <a:prstGeom prst="rect">
                 <a:avLst/>
               </a:prstGeom>
+              <a:solidFill>
+                <a:schemeClr val="bg2">
+                  <a:lumMod val="75000"/>
+                </a:schemeClr>
+              </a:solidFill>
               <a:ln>
                 <a:noFill/>
               </a:ln>
@@ -5600,7 +5540,7 @@
             </p:txBody>
           </p:sp>
         </mc:Choice>
-        <mc:Fallback xmlns="">
+        <mc:Fallback>
           <p:sp>
             <p:nvSpPr>
               <p:cNvPr id="58" name="矩形 57">
@@ -5617,7 +5557,7 @@
             </p:nvSpPr>
             <p:spPr>
               <a:xfrm>
-                <a:off x="8769402" y="2292980"/>
+                <a:off x="8416358" y="2175687"/>
                 <a:ext cx="1486680" cy="388259"/>
               </a:xfrm>
               <a:prstGeom prst="rect">
@@ -5664,14 +5604,16 @@
             </p:nvSpPr>
             <p:spPr>
               <a:xfrm>
-                <a:off x="9296211" y="3264992"/>
-                <a:ext cx="2630569" cy="388259"/>
+                <a:off x="8936037" y="3077751"/>
+                <a:ext cx="2719010" cy="653333"/>
               </a:xfrm>
               <a:prstGeom prst="rect">
                 <a:avLst/>
               </a:prstGeom>
               <a:solidFill>
-                <a:schemeClr val="accent3"/>
+                <a:schemeClr val="bg2">
+                  <a:lumMod val="75000"/>
+                </a:schemeClr>
               </a:solidFill>
               <a:ln>
                 <a:noFill/>
@@ -5763,7 +5705,7 @@
                           </a:solidFill>
                           <a:latin typeface="Cambria Math" panose="02040503050406030204" pitchFamily="18" charset="0"/>
                         </a:rPr>
-                        <m:t>𝐰𝐡𝐢𝐥𝐞</m:t>
+                        <m:t>𝐢𝐟</m:t>
                       </m:r>
                       <m:r>
                         <a:rPr lang="en-US" sz="1600" b="1" i="0" smtClean="0">
@@ -5781,7 +5723,7 @@
                           </a:solidFill>
                           <a:latin typeface="Cambria Math" panose="02040503050406030204" pitchFamily="18" charset="0"/>
                         </a:rPr>
-                        <m:t>𝑇</m:t>
+                        <m:t>𝑀</m:t>
                       </m:r>
                       <m:r>
                         <a:rPr lang="en-US" sz="1600" b="1" i="0" smtClean="0">
@@ -5799,7 +5741,59 @@
                           </a:solidFill>
                           <a:latin typeface="Cambria Math" panose="02040503050406030204" pitchFamily="18" charset="0"/>
                         </a:rPr>
-                        <m:t>𝐝𝐨</m:t>
+                        <m:t>𝐭𝐡𝐞𝐧</m:t>
+                      </m:r>
+                      <m:r>
+                        <a:rPr lang="en-US" sz="1600" b="0" i="0" smtClean="0">
+                          <a:solidFill>
+                            <a:schemeClr val="tx1"/>
+                          </a:solidFill>
+                          <a:latin typeface="Cambria Math" panose="02040503050406030204" pitchFamily="18" charset="0"/>
+                        </a:rPr>
+                        <m:t> </m:t>
+                      </m:r>
+                      <m:sSub>
+                        <m:sSubPr>
+                          <m:ctrlPr>
+                            <a:rPr lang="en-US" sz="1600" b="0" i="1" smtClean="0">
+                              <a:solidFill>
+                                <a:schemeClr val="tx1"/>
+                              </a:solidFill>
+                              <a:latin typeface="Cambria Math" panose="02040503050406030204" pitchFamily="18" charset="0"/>
+                            </a:rPr>
+                          </m:ctrlPr>
+                        </m:sSubPr>
+                        <m:e>
+                          <m:r>
+                            <a:rPr lang="en-US" sz="1600" b="0" i="1" smtClean="0">
+                              <a:solidFill>
+                                <a:schemeClr val="tx1"/>
+                              </a:solidFill>
+                              <a:latin typeface="Cambria Math" panose="02040503050406030204" pitchFamily="18" charset="0"/>
+                            </a:rPr>
+                            <m:t>𝑇</m:t>
+                          </m:r>
+                        </m:e>
+                        <m:sub>
+                          <m:r>
+                            <a:rPr lang="en-US" sz="1600" b="0" i="1" smtClean="0">
+                              <a:solidFill>
+                                <a:schemeClr val="tx1"/>
+                              </a:solidFill>
+                              <a:latin typeface="Cambria Math" panose="02040503050406030204" pitchFamily="18" charset="0"/>
+                            </a:rPr>
+                            <m:t>1</m:t>
+                          </m:r>
+                        </m:sub>
+                      </m:sSub>
+                      <m:r>
+                        <a:rPr lang="en-US" sz="1600" b="0" i="0" smtClean="0">
+                          <a:solidFill>
+                            <a:schemeClr val="tx1"/>
+                          </a:solidFill>
+                          <a:latin typeface="Cambria Math" panose="02040503050406030204" pitchFamily="18" charset="0"/>
+                        </a:rPr>
+                        <m:t> </m:t>
                       </m:r>
                       <m:r>
                         <a:rPr lang="en-US" sz="1600" b="1" i="0" smtClean="0">
@@ -5808,17 +5802,51 @@
                           </a:solidFill>
                           <a:latin typeface="Cambria Math" panose="02040503050406030204" pitchFamily="18" charset="0"/>
                         </a:rPr>
-                        <m:t> </m:t>
+                        <m:t>𝐞𝐥𝐬𝐞</m:t>
                       </m:r>
                       <m:r>
-                        <a:rPr lang="en-US" sz="1600" b="0" i="1" smtClean="0">
+                        <a:rPr lang="en-US" sz="1600" b="0" i="0" smtClean="0">
                           <a:solidFill>
                             <a:schemeClr val="tx1"/>
                           </a:solidFill>
                           <a:latin typeface="Cambria Math" panose="02040503050406030204" pitchFamily="18" charset="0"/>
                         </a:rPr>
-                        <m:t>𝑆</m:t>
+                        <m:t> </m:t>
                       </m:r>
+                      <m:sSub>
+                        <m:sSubPr>
+                          <m:ctrlPr>
+                            <a:rPr lang="en-US" sz="1600" i="1" smtClean="0">
+                              <a:solidFill>
+                                <a:schemeClr val="tx1"/>
+                              </a:solidFill>
+                              <a:latin typeface="Cambria Math" panose="02040503050406030204" pitchFamily="18" charset="0"/>
+                            </a:rPr>
+                          </m:ctrlPr>
+                        </m:sSubPr>
+                        <m:e>
+                          <m:r>
+                            <a:rPr lang="en-US" sz="1600" b="0" i="1" smtClean="0">
+                              <a:solidFill>
+                                <a:schemeClr val="tx1"/>
+                              </a:solidFill>
+                              <a:latin typeface="Cambria Math" panose="02040503050406030204" pitchFamily="18" charset="0"/>
+                            </a:rPr>
+                            <m:t>𝑇</m:t>
+                          </m:r>
+                        </m:e>
+                        <m:sub>
+                          <m:r>
+                            <a:rPr lang="en-US" sz="1600" b="0" i="1" smtClean="0">
+                              <a:solidFill>
+                                <a:schemeClr val="tx1"/>
+                              </a:solidFill>
+                              <a:latin typeface="Cambria Math" panose="02040503050406030204" pitchFamily="18" charset="0"/>
+                            </a:rPr>
+                            <m:t>2</m:t>
+                          </m:r>
+                        </m:sub>
+                      </m:sSub>
                       <m:r>
                         <a:rPr lang="en-US" sz="1600" b="1" i="0" smtClean="0">
                           <a:solidFill>
@@ -5866,8 +5894,8 @@
             </p:nvSpPr>
             <p:spPr>
               <a:xfrm>
-                <a:off x="9296211" y="3264992"/>
-                <a:ext cx="2630569" cy="388259"/>
+                <a:off x="8936037" y="3077751"/>
+                <a:ext cx="2719010" cy="653333"/>
               </a:xfrm>
               <a:prstGeom prst="rect">
                 <a:avLst/>
@@ -5909,14 +5937,14 @@
           <p:cNvCxnSpPr>
             <a:cxnSpLocks/>
             <a:stCxn id="58" idx="2"/>
-            <a:endCxn id="4" idx="0"/>
+            <a:endCxn id="96" idx="0"/>
           </p:cNvCxnSpPr>
           <p:nvPr/>
         </p:nvCxnSpPr>
         <p:spPr>
           <a:xfrm rot="5400000">
-            <a:off x="8604948" y="2357197"/>
-            <a:ext cx="583753" cy="1231836"/>
+            <a:off x="8232326" y="2265342"/>
+            <a:ext cx="628768" cy="1225976"/>
           </a:xfrm>
           <a:prstGeom prst="curvedConnector3">
             <a:avLst/>
@@ -5958,8 +5986,8 @@
         </p:nvCxnSpPr>
         <p:spPr>
           <a:xfrm rot="16200000" flipH="1">
-            <a:off x="9770243" y="2423738"/>
-            <a:ext cx="583753" cy="1098754"/>
+            <a:off x="9470718" y="2252926"/>
+            <a:ext cx="513805" cy="1135844"/>
           </a:xfrm>
           <a:prstGeom prst="curvedConnector3">
             <a:avLst/>
@@ -5983,8 +6011,8 @@
           </a:fontRef>
         </p:style>
       </p:cxnSp>
-      <mc:AlternateContent xmlns:mc="http://schemas.openxmlformats.org/markup-compatibility/2006" xmlns:a14="http://schemas.microsoft.com/office/drawing/2010/main">
-        <mc:Choice Requires="a14">
+      <mc:AlternateContent xmlns:mc="http://schemas.openxmlformats.org/markup-compatibility/2006">
+        <mc:Choice xmlns:a14="http://schemas.microsoft.com/office/drawing/2010/main" Requires="a14">
           <p:sp>
             <p:nvSpPr>
               <p:cNvPr id="63" name="文本框 62">
@@ -5999,7 +6027,7 @@
             </p:nvSpPr>
             <p:spPr>
               <a:xfrm>
-                <a:off x="8328745" y="2681239"/>
+                <a:off x="7975701" y="2528026"/>
                 <a:ext cx="440657" cy="338554"/>
               </a:xfrm>
               <a:prstGeom prst="rect">
@@ -6062,7 +6090,7 @@
             </p:txBody>
           </p:sp>
         </mc:Choice>
-        <mc:Fallback xmlns="">
+        <mc:Fallback>
           <p:sp>
             <p:nvSpPr>
               <p:cNvPr id="63" name="文本框 62">
@@ -6079,14 +6107,14 @@
             </p:nvSpPr>
             <p:spPr>
               <a:xfrm>
-                <a:off x="8328745" y="2681239"/>
+                <a:off x="7975701" y="2528026"/>
                 <a:ext cx="440657" cy="338554"/>
               </a:xfrm>
               <a:prstGeom prst="rect">
                 <a:avLst/>
               </a:prstGeom>
               <a:blipFill>
-                <a:blip r:embed="rId16"/>
+                <a:blip r:embed="rId15"/>
                 <a:stretch>
                   <a:fillRect/>
                 </a:stretch>
@@ -6107,8 +6135,8 @@
           </p:sp>
         </mc:Fallback>
       </mc:AlternateContent>
-      <mc:AlternateContent xmlns:mc="http://schemas.openxmlformats.org/markup-compatibility/2006" xmlns:a14="http://schemas.microsoft.com/office/drawing/2010/main">
-        <mc:Choice Requires="a14">
+      <mc:AlternateContent xmlns:mc="http://schemas.openxmlformats.org/markup-compatibility/2006">
+        <mc:Choice xmlns:a14="http://schemas.microsoft.com/office/drawing/2010/main" Requires="a14">
           <p:sp>
             <p:nvSpPr>
               <p:cNvPr id="64" name="文本框 63">
@@ -6123,7 +6151,7 @@
             </p:nvSpPr>
             <p:spPr>
               <a:xfrm>
-                <a:off x="10318587" y="2733183"/>
+                <a:off x="10042654" y="2581808"/>
                 <a:ext cx="364718" cy="338554"/>
               </a:xfrm>
               <a:prstGeom prst="rect">
@@ -6186,7 +6214,7 @@
             </p:txBody>
           </p:sp>
         </mc:Choice>
-        <mc:Fallback xmlns="">
+        <mc:Fallback>
           <p:sp>
             <p:nvSpPr>
               <p:cNvPr id="64" name="文本框 63">
@@ -6203,14 +6231,14 @@
             </p:nvSpPr>
             <p:spPr>
               <a:xfrm>
-                <a:off x="10318587" y="2733183"/>
+                <a:off x="10042654" y="2581808"/>
                 <a:ext cx="364718" cy="338554"/>
               </a:xfrm>
               <a:prstGeom prst="rect">
                 <a:avLst/>
               </a:prstGeom>
               <a:blipFill>
-                <a:blip r:embed="rId17"/>
+                <a:blip r:embed="rId16"/>
                 <a:stretch>
                   <a:fillRect/>
                 </a:stretch>
@@ -6249,8 +6277,8 @@
         </p:nvCxnSpPr>
         <p:spPr>
           <a:xfrm rot="5400000">
-            <a:off x="10406238" y="3858509"/>
-            <a:ext cx="410517" cy="1"/>
+            <a:off x="9594776" y="3579650"/>
+            <a:ext cx="549333" cy="852201"/>
           </a:xfrm>
           <a:prstGeom prst="curvedConnector3">
             <a:avLst>
@@ -6292,16 +6320,20 @@
             </p:nvSpPr>
             <p:spPr>
               <a:xfrm>
-                <a:off x="9800772" y="4063768"/>
-                <a:ext cx="1621445" cy="388259"/>
+                <a:off x="8842813" y="4280417"/>
+                <a:ext cx="1201056" cy="360000"/>
               </a:xfrm>
               <a:prstGeom prst="rect">
                 <a:avLst/>
               </a:prstGeom>
+              <a:solidFill>
+                <a:schemeClr val="accent4">
+                  <a:lumMod val="60000"/>
+                  <a:lumOff val="40000"/>
+                </a:schemeClr>
+              </a:solidFill>
               <a:ln w="28575">
-                <a:solidFill>
-                  <a:schemeClr val="accent2"/>
-                </a:solidFill>
+                <a:noFill/>
               </a:ln>
             </p:spPr>
             <p:style>
@@ -6336,7 +6368,7 @@
                           <m:begChr m:val="["/>
                           <m:endChr m:val="]"/>
                           <m:ctrlPr>
-                            <a:rPr lang="en-US" sz="1600" b="0" i="1" smtClean="0">
+                            <a:rPr lang="en-US" sz="1600" i="1" smtClean="0">
                               <a:solidFill>
                                 <a:schemeClr val="tx1"/>
                               </a:solidFill>
@@ -6352,7 +6384,7 @@
                               </a:solidFill>
                               <a:latin typeface="Cambria Math" panose="02040503050406030204" pitchFamily="18" charset="0"/>
                             </a:rPr>
-                            <m:t>𝑇</m:t>
+                            <m:t>𝑀</m:t>
                           </m:r>
                           <m:r>
                             <a:rPr lang="en-US" sz="1600" b="0" i="1" smtClean="0">
@@ -6370,10 +6402,10 @@
                               </a:solidFill>
                               <a:latin typeface="Cambria Math" panose="02040503050406030204" pitchFamily="18" charset="0"/>
                             </a:rPr>
-                            <m:t>𝐼𝑛𝑣</m:t>
+                            <m:t>𝑅</m:t>
                           </m:r>
                           <m:r>
-                            <a:rPr lang="en-US" sz="1600" b="0" i="1" smtClean="0">
+                            <a:rPr lang="en-US" sz="1600" i="1">
                               <a:solidFill>
                                 <a:schemeClr val="tx1"/>
                               </a:solidFill>
@@ -6382,13 +6414,13 @@
                             <m:t>, </m:t>
                           </m:r>
                           <m:r>
-                            <a:rPr lang="en-US" sz="1600" b="0" i="1" smtClean="0">
-                              <a:solidFill>
-                                <a:schemeClr val="tx1"/>
-                              </a:solidFill>
-                              <a:latin typeface="Cambria Math" panose="02040503050406030204" pitchFamily="18" charset="0"/>
-                            </a:rPr>
-                            <m:t>𝐼𝑛𝑣</m:t>
+                            <a:rPr lang="en-US" sz="1600" i="1">
+                              <a:solidFill>
+                                <a:schemeClr val="tx1"/>
+                              </a:solidFill>
+                              <a:latin typeface="Cambria Math" panose="02040503050406030204" pitchFamily="18" charset="0"/>
+                            </a:rPr>
+                            <m:t>𝑄</m:t>
                           </m:r>
                         </m:e>
                       </m:d>
@@ -6421,22 +6453,20 @@
             </p:nvSpPr>
             <p:spPr>
               <a:xfrm>
-                <a:off x="9800772" y="4063768"/>
-                <a:ext cx="1621445" cy="388259"/>
+                <a:off x="8842813" y="4280417"/>
+                <a:ext cx="1201056" cy="360000"/>
               </a:xfrm>
               <a:prstGeom prst="rect">
                 <a:avLst/>
               </a:prstGeom>
               <a:blipFill>
-                <a:blip r:embed="rId18"/>
+                <a:blip r:embed="rId17"/>
                 <a:stretch>
-                  <a:fillRect/>
+                  <a:fillRect b="-3390"/>
                 </a:stretch>
               </a:blipFill>
               <a:ln w="28575">
-                <a:solidFill>
-                  <a:schemeClr val="accent2"/>
-                </a:solidFill>
+                <a:noFill/>
               </a:ln>
             </p:spPr>
             <p:txBody>
@@ -6454,230 +6484,14 @@
           </p:sp>
         </mc:Fallback>
       </mc:AlternateContent>
-      <mc:AlternateContent xmlns:mc="http://schemas.openxmlformats.org/markup-compatibility/2006" xmlns:a14="http://schemas.microsoft.com/office/drawing/2010/main">
-        <mc:Choice Requires="a14">
-          <p:sp>
-            <p:nvSpPr>
-              <p:cNvPr id="74" name="文本框 73">
-                <a:extLst>
-                  <a:ext uri="{FF2B5EF4-FFF2-40B4-BE49-F238E27FC236}">
-                    <a16:creationId xmlns:a16="http://schemas.microsoft.com/office/drawing/2014/main" id="{EB133D1A-25B1-1478-8B23-FF0A7600B0F5}"/>
-                  </a:ext>
-                </a:extLst>
-              </p:cNvPr>
-              <p:cNvSpPr txBox="1"/>
-              <p:nvPr/>
-            </p:nvSpPr>
-            <p:spPr>
-              <a:xfrm>
-                <a:off x="10560767" y="3671844"/>
-                <a:ext cx="364718" cy="338554"/>
-              </a:xfrm>
-              <a:prstGeom prst="rect">
-                <a:avLst/>
-              </a:prstGeom>
-              <a:noFill/>
-            </p:spPr>
-            <p:txBody>
-              <a:bodyPr wrap="square">
-                <a:spAutoFit/>
-              </a:bodyPr>
-              <a:lstStyle/>
-              <a:p>
-                <a:pPr/>
-                <a14:m>
-                  <m:oMathPara xmlns:m="http://schemas.openxmlformats.org/officeDocument/2006/math">
-                    <m:oMathParaPr>
-                      <m:jc m:val="centerGroup"/>
-                    </m:oMathParaPr>
-                    <m:oMath xmlns:m="http://schemas.openxmlformats.org/officeDocument/2006/math">
-                      <m:r>
-                        <a:rPr lang="en-US" sz="1600" b="0" i="1" smtClean="0">
-                          <a:solidFill>
-                            <a:schemeClr val="tx1"/>
-                          </a:solidFill>
-                          <a:latin typeface="Cambria Math" panose="02040503050406030204" pitchFamily="18" charset="0"/>
-                        </a:rPr>
-                        <m:t>𝑆</m:t>
-                      </m:r>
-                    </m:oMath>
-                  </m:oMathPara>
-                </a14:m>
-                <a:endParaRPr lang="en-US" sz="1600" dirty="0"/>
-              </a:p>
-            </p:txBody>
-          </p:sp>
-        </mc:Choice>
-        <mc:Fallback xmlns="">
-          <p:sp>
-            <p:nvSpPr>
-              <p:cNvPr id="74" name="文本框 73">
-                <a:extLst>
-                  <a:ext uri="{FF2B5EF4-FFF2-40B4-BE49-F238E27FC236}">
-                    <a16:creationId xmlns:a16="http://schemas.microsoft.com/office/drawing/2014/main" id="{EB133D1A-25B1-1478-8B23-FF0A7600B0F5}"/>
-                  </a:ext>
-                </a:extLst>
-              </p:cNvPr>
-              <p:cNvSpPr txBox="1">
-                <a:spLocks noRot="1" noChangeAspect="1" noMove="1" noResize="1" noEditPoints="1" noAdjustHandles="1" noChangeArrowheads="1" noChangeShapeType="1" noTextEdit="1"/>
-              </p:cNvSpPr>
-              <p:nvPr/>
-            </p:nvSpPr>
-            <p:spPr>
-              <a:xfrm>
-                <a:off x="10560767" y="3671844"/>
-                <a:ext cx="364718" cy="338554"/>
-              </a:xfrm>
-              <a:prstGeom prst="rect">
-                <a:avLst/>
-              </a:prstGeom>
-              <a:blipFill>
-                <a:blip r:embed="rId19"/>
-                <a:stretch>
-                  <a:fillRect/>
-                </a:stretch>
-              </a:blipFill>
-            </p:spPr>
-            <p:txBody>
-              <a:bodyPr/>
-              <a:lstStyle/>
-              <a:p>
-                <a:r>
-                  <a:rPr lang="en-US">
-                    <a:noFill/>
-                  </a:rPr>
-                  <a:t> </a:t>
-                </a:r>
-              </a:p>
-            </p:txBody>
-          </p:sp>
-        </mc:Fallback>
-      </mc:AlternateContent>
-      <p:cxnSp>
-        <p:nvCxnSpPr>
-          <p:cNvPr id="95" name="直接连接符 94">
-            <a:extLst>
-              <a:ext uri="{FF2B5EF4-FFF2-40B4-BE49-F238E27FC236}">
-                <a16:creationId xmlns:a16="http://schemas.microsoft.com/office/drawing/2014/main" id="{EBE5396E-15C5-7AFE-2CD8-536B792CC195}"/>
-              </a:ext>
-            </a:extLst>
-          </p:cNvPr>
-          <p:cNvCxnSpPr>
-            <a:cxnSpLocks/>
-          </p:cNvCxnSpPr>
-          <p:nvPr/>
-        </p:nvCxnSpPr>
-        <p:spPr>
-          <a:xfrm>
-            <a:off x="7288590" y="2196490"/>
-            <a:ext cx="0" cy="2375504"/>
-          </a:xfrm>
-          <a:prstGeom prst="line">
-            <a:avLst/>
-          </a:prstGeom>
-          <a:ln w="19050"/>
-        </p:spPr>
-        <p:style>
-          <a:lnRef idx="1">
-            <a:schemeClr val="dk1"/>
-          </a:lnRef>
-          <a:fillRef idx="0">
-            <a:schemeClr val="dk1"/>
-          </a:fillRef>
-          <a:effectRef idx="0">
-            <a:schemeClr val="dk1"/>
-          </a:effectRef>
-          <a:fontRef idx="minor">
-            <a:schemeClr val="tx1"/>
-          </a:fontRef>
-        </p:style>
-      </p:cxnSp>
-      <p:cxnSp>
-        <p:nvCxnSpPr>
-          <p:cNvPr id="100" name="直接连接符 99">
-            <a:extLst>
-              <a:ext uri="{FF2B5EF4-FFF2-40B4-BE49-F238E27FC236}">
-                <a16:creationId xmlns:a16="http://schemas.microsoft.com/office/drawing/2014/main" id="{75040CF2-003C-2590-B4CE-8A86F135A7C3}"/>
-              </a:ext>
-            </a:extLst>
-          </p:cNvPr>
-          <p:cNvCxnSpPr>
-            <a:cxnSpLocks/>
-          </p:cNvCxnSpPr>
-          <p:nvPr/>
-        </p:nvCxnSpPr>
-        <p:spPr>
-          <a:xfrm>
-            <a:off x="4155923" y="2159869"/>
-            <a:ext cx="0" cy="2375504"/>
-          </a:xfrm>
-          <a:prstGeom prst="line">
-            <a:avLst/>
-          </a:prstGeom>
-          <a:ln w="19050"/>
-        </p:spPr>
-        <p:style>
-          <a:lnRef idx="1">
-            <a:schemeClr val="dk1"/>
-          </a:lnRef>
-          <a:fillRef idx="0">
-            <a:schemeClr val="dk1"/>
-          </a:fillRef>
-          <a:effectRef idx="0">
-            <a:schemeClr val="dk1"/>
-          </a:effectRef>
-          <a:fontRef idx="minor">
-            <a:schemeClr val="tx1"/>
-          </a:fontRef>
-        </p:style>
-      </p:cxnSp>
-      <p:cxnSp>
-        <p:nvCxnSpPr>
-          <p:cNvPr id="101" name="直接连接符 100">
-            <a:extLst>
-              <a:ext uri="{FF2B5EF4-FFF2-40B4-BE49-F238E27FC236}">
-                <a16:creationId xmlns:a16="http://schemas.microsoft.com/office/drawing/2014/main" id="{4FE1CC08-F37D-DD52-0BF5-0BC323CC5706}"/>
-              </a:ext>
-            </a:extLst>
-          </p:cNvPr>
-          <p:cNvCxnSpPr>
-            <a:cxnSpLocks/>
-          </p:cNvCxnSpPr>
-          <p:nvPr/>
-        </p:nvCxnSpPr>
-        <p:spPr>
-          <a:xfrm>
-            <a:off x="1560285" y="2119572"/>
-            <a:ext cx="0" cy="2375504"/>
-          </a:xfrm>
-          <a:prstGeom prst="line">
-            <a:avLst/>
-          </a:prstGeom>
-          <a:ln w="19050"/>
-        </p:spPr>
-        <p:style>
-          <a:lnRef idx="1">
-            <a:schemeClr val="dk1"/>
-          </a:lnRef>
-          <a:fillRef idx="0">
-            <a:schemeClr val="dk1"/>
-          </a:fillRef>
-          <a:effectRef idx="0">
-            <a:schemeClr val="dk1"/>
-          </a:effectRef>
-          <a:fontRef idx="minor">
-            <a:schemeClr val="tx1"/>
-          </a:fontRef>
-        </p:style>
-      </p:cxnSp>
       <mc:AlternateContent xmlns:mc="http://schemas.openxmlformats.org/markup-compatibility/2006">
         <mc:Choice xmlns:a14="http://schemas.microsoft.com/office/drawing/2010/main" Requires="a14">
           <p:sp>
             <p:nvSpPr>
-              <p:cNvPr id="4" name="矩形 3">
+              <p:cNvPr id="96" name="矩形 95">
                 <a:extLst>
                   <a:ext uri="{FF2B5EF4-FFF2-40B4-BE49-F238E27FC236}">
-                    <a16:creationId xmlns:a16="http://schemas.microsoft.com/office/drawing/2014/main" id="{2558D530-7A10-18FC-1A6D-1C81ADBF315B}"/>
+                    <a16:creationId xmlns:a16="http://schemas.microsoft.com/office/drawing/2014/main" id="{474BC1FA-D323-1F00-B041-5B98287008F6}"/>
                   </a:ext>
                 </a:extLst>
               </p:cNvPr>
@@ -6686,12 +6500,17 @@
             </p:nvSpPr>
             <p:spPr>
               <a:xfrm>
-                <a:off x="7468044" y="3264992"/>
-                <a:ext cx="1625723" cy="876414"/>
+                <a:off x="7212155" y="3192714"/>
+                <a:ext cx="1443134" cy="402542"/>
               </a:xfrm>
               <a:prstGeom prst="rect">
                 <a:avLst/>
               </a:prstGeom>
+              <a:solidFill>
+                <a:schemeClr val="bg2">
+                  <a:lumMod val="75000"/>
+                </a:schemeClr>
+              </a:solidFill>
               <a:ln>
                 <a:noFill/>
               </a:ln>
@@ -6775,14 +6594,140 @@
                         </a:rPr>
                         <m:t>⊑</m:t>
                       </m:r>
+                      <m:r>
+                        <a:rPr lang="en-US" sz="1600" b="1" i="0" smtClean="0">
+                          <a:solidFill>
+                            <a:schemeClr val="tx1"/>
+                          </a:solidFill>
+                          <a:latin typeface="Cambria Math" panose="02040503050406030204" pitchFamily="18" charset="0"/>
+                        </a:rPr>
+                        <m:t>𝐬𝐤𝐢𝐩</m:t>
+                      </m:r>
                     </m:oMath>
+                  </m:oMathPara>
+                </a14:m>
+                <a:endParaRPr lang="en-US" sz="1600" b="1" dirty="0">
+                  <a:solidFill>
+                    <a:schemeClr val="tx1"/>
+                  </a:solidFill>
+                </a:endParaRPr>
+              </a:p>
+            </p:txBody>
+          </p:sp>
+        </mc:Choice>
+        <mc:Fallback>
+          <p:sp>
+            <p:nvSpPr>
+              <p:cNvPr id="96" name="矩形 95">
+                <a:extLst>
+                  <a:ext uri="{FF2B5EF4-FFF2-40B4-BE49-F238E27FC236}">
+                    <a16:creationId xmlns:a16="http://schemas.microsoft.com/office/drawing/2014/main" id="{474BC1FA-D323-1F00-B041-5B98287008F6}"/>
+                  </a:ext>
+                </a:extLst>
+              </p:cNvPr>
+              <p:cNvSpPr>
+                <a:spLocks noRot="1" noChangeAspect="1" noMove="1" noResize="1" noEditPoints="1" noAdjustHandles="1" noChangeArrowheads="1" noChangeShapeType="1" noTextEdit="1"/>
+              </p:cNvSpPr>
+              <p:nvPr/>
+            </p:nvSpPr>
+            <p:spPr>
+              <a:xfrm>
+                <a:off x="7212155" y="3192714"/>
+                <a:ext cx="1443134" cy="402542"/>
+              </a:xfrm>
+              <a:prstGeom prst="rect">
+                <a:avLst/>
+              </a:prstGeom>
+              <a:blipFill>
+                <a:blip r:embed="rId18"/>
+                <a:stretch>
+                  <a:fillRect b="-1515"/>
+                </a:stretch>
+              </a:blipFill>
+              <a:ln>
+                <a:noFill/>
+              </a:ln>
+            </p:spPr>
+            <p:txBody>
+              <a:bodyPr/>
+              <a:lstStyle/>
+              <a:p>
+                <a:r>
+                  <a:rPr lang="en-US">
+                    <a:noFill/>
+                  </a:rPr>
+                  <a:t> </a:t>
+                </a:r>
+              </a:p>
+            </p:txBody>
+          </p:sp>
+        </mc:Fallback>
+      </mc:AlternateContent>
+      <mc:AlternateContent xmlns:mc="http://schemas.openxmlformats.org/markup-compatibility/2006">
+        <mc:Choice xmlns:a14="http://schemas.microsoft.com/office/drawing/2010/main" Requires="a14">
+          <p:sp>
+            <p:nvSpPr>
+              <p:cNvPr id="102" name="矩形 101">
+                <a:extLst>
+                  <a:ext uri="{FF2B5EF4-FFF2-40B4-BE49-F238E27FC236}">
+                    <a16:creationId xmlns:a16="http://schemas.microsoft.com/office/drawing/2014/main" id="{6D01F659-34B2-C4C8-D5CF-8F35879BD149}"/>
+                  </a:ext>
+                </a:extLst>
+              </p:cNvPr>
+              <p:cNvSpPr/>
+              <p:nvPr/>
+            </p:nvSpPr>
+            <p:spPr>
+              <a:xfrm>
+                <a:off x="10407372" y="4280417"/>
+                <a:ext cx="1344992" cy="360000"/>
+              </a:xfrm>
+              <a:prstGeom prst="rect">
+                <a:avLst/>
+              </a:prstGeom>
+              <a:solidFill>
+                <a:schemeClr val="accent4">
+                  <a:lumMod val="60000"/>
+                  <a:lumOff val="40000"/>
+                </a:schemeClr>
+              </a:solidFill>
+              <a:ln w="28575">
+                <a:noFill/>
+              </a:ln>
+            </p:spPr>
+            <p:style>
+              <a:lnRef idx="2">
+                <a:schemeClr val="accent4">
+                  <a:shade val="15000"/>
+                </a:schemeClr>
+              </a:lnRef>
+              <a:fillRef idx="1">
+                <a:schemeClr val="accent4"/>
+              </a:fillRef>
+              <a:effectRef idx="0">
+                <a:schemeClr val="accent4"/>
+              </a:effectRef>
+              <a:fontRef idx="minor">
+                <a:schemeClr val="lt1"/>
+              </a:fontRef>
+            </p:style>
+            <p:txBody>
+              <a:bodyPr rtlCol="0" anchor="ctr"/>
+              <a:lstStyle/>
+              <a:p>
+                <a:pPr algn="ctr"/>
+                <a14:m>
+                  <m:oMathPara xmlns:m="http://schemas.openxmlformats.org/officeDocument/2006/math">
+                    <m:oMathParaPr>
+                      <m:jc m:val="centerGroup"/>
+                    </m:oMathParaPr>
                     <m:oMath xmlns:m="http://schemas.openxmlformats.org/officeDocument/2006/math">
                       <m:d>
                         <m:dPr>
                           <m:begChr m:val="["/>
                           <m:endChr m:val="]"/>
                           <m:ctrlPr>
-                            <a:rPr lang="en-US" sz="1600" b="0" i="1" smtClean="0">
+                            <a:rPr lang="en-US" sz="1600" i="1" smtClean="0">
                               <a:solidFill>
                                 <a:schemeClr val="tx1"/>
                               </a:solidFill>
@@ -6791,6 +6736,40 @@
                           </m:ctrlPr>
                         </m:dPr>
                         <m:e>
+                          <m:sSup>
+                            <m:sSupPr>
+                              <m:ctrlPr>
+                                <a:rPr lang="en-US" sz="1600" b="0" i="1" smtClean="0">
+                                  <a:solidFill>
+                                    <a:schemeClr val="tx1"/>
+                                  </a:solidFill>
+                                  <a:latin typeface="Cambria Math" panose="02040503050406030204" pitchFamily="18" charset="0"/>
+                                </a:rPr>
+                              </m:ctrlPr>
+                            </m:sSupPr>
+                            <m:e>
+                              <m:r>
+                                <a:rPr lang="en-US" sz="1600" b="0" i="1" smtClean="0">
+                                  <a:solidFill>
+                                    <a:schemeClr val="tx1"/>
+                                  </a:solidFill>
+                                  <a:latin typeface="Cambria Math" panose="02040503050406030204" pitchFamily="18" charset="0"/>
+                                </a:rPr>
+                                <m:t>𝑀</m:t>
+                              </m:r>
+                            </m:e>
+                            <m:sup>
+                              <m:r>
+                                <a:rPr lang="en-US" sz="1600" b="0" i="1" smtClean="0">
+                                  <a:solidFill>
+                                    <a:schemeClr val="tx1"/>
+                                  </a:solidFill>
+                                  <a:latin typeface="Cambria Math" panose="02040503050406030204" pitchFamily="18" charset="0"/>
+                                </a:rPr>
+                                <m:t>⊥</m:t>
+                              </m:r>
+                            </m:sup>
+                          </m:sSup>
                           <m:r>
                             <a:rPr lang="en-US" sz="1600" b="0" i="1" smtClean="0">
                               <a:solidFill>
@@ -6798,7 +6777,7 @@
                               </a:solidFill>
                               <a:latin typeface="Cambria Math" panose="02040503050406030204" pitchFamily="18" charset="0"/>
                             </a:rPr>
-                            <m:t>𝑞</m:t>
+                            <m:t>⋒</m:t>
                           </m:r>
                           <m:r>
                             <a:rPr lang="en-US" sz="1600" b="0" i="1" smtClean="0">
@@ -6807,75 +6786,28 @@
                               </a:solidFill>
                               <a:latin typeface="Cambria Math" panose="02040503050406030204" pitchFamily="18" charset="0"/>
                             </a:rPr>
-                            <m:t>0 </m:t>
+                            <m:t>𝑅</m:t>
                           </m:r>
                           <m:r>
-                            <a:rPr lang="en-US" sz="1600" b="0" i="1" smtClean="0">
-                              <a:solidFill>
-                                <a:schemeClr val="tx1"/>
-                              </a:solidFill>
-                              <a:latin typeface="Cambria Math" panose="02040503050406030204" pitchFamily="18" charset="0"/>
-                            </a:rPr>
-                            <m:t>𝑞</m:t>
+                            <a:rPr lang="en-US" sz="1600" i="1">
+                              <a:solidFill>
+                                <a:schemeClr val="tx1"/>
+                              </a:solidFill>
+                              <a:latin typeface="Cambria Math" panose="02040503050406030204" pitchFamily="18" charset="0"/>
+                            </a:rPr>
+                            <m:t>, </m:t>
                           </m:r>
                           <m:r>
-                            <a:rPr lang="en-US" sz="1600" b="0" i="1" smtClean="0">
-                              <a:solidFill>
-                                <a:schemeClr val="tx1"/>
-                              </a:solidFill>
-                              <a:latin typeface="Cambria Math" panose="02040503050406030204" pitchFamily="18" charset="0"/>
-                            </a:rPr>
-                            <m:t>1</m:t>
+                            <a:rPr lang="en-US" sz="1600" i="1">
+                              <a:solidFill>
+                                <a:schemeClr val="tx1"/>
+                              </a:solidFill>
+                              <a:latin typeface="Cambria Math" panose="02040503050406030204" pitchFamily="18" charset="0"/>
+                            </a:rPr>
+                            <m:t>𝑄</m:t>
                           </m:r>
                         </m:e>
                       </m:d>
-                      <m:r>
-                        <a:rPr lang="en-US" sz="1600" b="0" i="1" smtClean="0">
-                          <a:solidFill>
-                            <a:schemeClr val="tx1"/>
-                          </a:solidFill>
-                          <a:latin typeface="Cambria Math" panose="02040503050406030204" pitchFamily="18" charset="0"/>
-                        </a:rPr>
-                        <m:t>≔0;</m:t>
-                      </m:r>
-                    </m:oMath>
-                    <m:oMath xmlns:m="http://schemas.openxmlformats.org/officeDocument/2006/math">
-                      <m:r>
-                        <a:rPr lang="en-US" sz="1600" b="0" i="1" smtClean="0">
-                          <a:solidFill>
-                            <a:schemeClr val="tx1"/>
-                          </a:solidFill>
-                          <a:latin typeface="Cambria Math" panose="02040503050406030204" pitchFamily="18" charset="0"/>
-                        </a:rPr>
-                        <m:t>𝑋</m:t>
-                      </m:r>
-                      <m:r>
-                        <a:rPr lang="en-US" sz="1600" b="0" i="1" smtClean="0">
-                          <a:solidFill>
-                            <a:schemeClr val="tx1"/>
-                          </a:solidFill>
-                          <a:latin typeface="Cambria Math" panose="02040503050406030204" pitchFamily="18" charset="0"/>
-                        </a:rPr>
-                        <m:t>[</m:t>
-                      </m:r>
-                      <m:r>
-                        <a:rPr lang="en-US" sz="1600" b="0" i="1" smtClean="0">
-                          <a:solidFill>
-                            <a:schemeClr val="tx1"/>
-                          </a:solidFill>
-                          <a:latin typeface="Cambria Math" panose="02040503050406030204" pitchFamily="18" charset="0"/>
-                        </a:rPr>
-                        <m:t>𝑞</m:t>
-                      </m:r>
-                      <m:r>
-                        <a:rPr lang="en-US" sz="1600" b="0" i="1" smtClean="0">
-                          <a:solidFill>
-                            <a:schemeClr val="tx1"/>
-                          </a:solidFill>
-                          <a:latin typeface="Cambria Math" panose="02040503050406030204" pitchFamily="18" charset="0"/>
-                        </a:rPr>
-                        <m:t>0]</m:t>
-                      </m:r>
                     </m:oMath>
                   </m:oMathPara>
                 </a14:m>
@@ -6891,10 +6823,10 @@
         <mc:Fallback>
           <p:sp>
             <p:nvSpPr>
-              <p:cNvPr id="4" name="矩形 3">
+              <p:cNvPr id="102" name="矩形 101">
                 <a:extLst>
                   <a:ext uri="{FF2B5EF4-FFF2-40B4-BE49-F238E27FC236}">
-                    <a16:creationId xmlns:a16="http://schemas.microsoft.com/office/drawing/2014/main" id="{2558D530-7A10-18FC-1A6D-1C81ADBF315B}"/>
+                    <a16:creationId xmlns:a16="http://schemas.microsoft.com/office/drawing/2014/main" id="{6D01F659-34B2-C4C8-D5CF-8F35879BD149}"/>
                   </a:ext>
                 </a:extLst>
               </p:cNvPr>
@@ -6905,8 +6837,180 @@
             </p:nvSpPr>
             <p:spPr>
               <a:xfrm>
-                <a:off x="7468044" y="3264992"/>
-                <a:ext cx="1625723" cy="876414"/>
+                <a:off x="10407372" y="4280417"/>
+                <a:ext cx="1344992" cy="360000"/>
+              </a:xfrm>
+              <a:prstGeom prst="rect">
+                <a:avLst/>
+              </a:prstGeom>
+              <a:blipFill>
+                <a:blip r:embed="rId19"/>
+                <a:stretch>
+                  <a:fillRect b="-6780"/>
+                </a:stretch>
+              </a:blipFill>
+              <a:ln w="28575">
+                <a:noFill/>
+              </a:ln>
+            </p:spPr>
+            <p:txBody>
+              <a:bodyPr/>
+              <a:lstStyle/>
+              <a:p>
+                <a:r>
+                  <a:rPr lang="en-US">
+                    <a:noFill/>
+                  </a:rPr>
+                  <a:t> </a:t>
+                </a:r>
+              </a:p>
+            </p:txBody>
+          </p:sp>
+        </mc:Fallback>
+      </mc:AlternateContent>
+      <p:cxnSp>
+        <p:nvCxnSpPr>
+          <p:cNvPr id="103" name="连接符: 曲线 102">
+            <a:extLst>
+              <a:ext uri="{FF2B5EF4-FFF2-40B4-BE49-F238E27FC236}">
+                <a16:creationId xmlns:a16="http://schemas.microsoft.com/office/drawing/2014/main" id="{51D086C7-3EAB-A84D-1C2D-2C623717A4FB}"/>
+              </a:ext>
+            </a:extLst>
+          </p:cNvPr>
+          <p:cNvCxnSpPr>
+            <a:cxnSpLocks/>
+            <a:stCxn id="60" idx="2"/>
+            <a:endCxn id="102" idx="0"/>
+          </p:cNvCxnSpPr>
+          <p:nvPr/>
+        </p:nvCxnSpPr>
+        <p:spPr>
+          <a:xfrm rot="16200000" flipH="1">
+            <a:off x="10413039" y="3613587"/>
+            <a:ext cx="549333" cy="784326"/>
+          </a:xfrm>
+          <a:prstGeom prst="curvedConnector3">
+            <a:avLst>
+              <a:gd name="adj1" fmla="val 50000"/>
+            </a:avLst>
+          </a:prstGeom>
+          <a:ln w="28575">
+            <a:tailEnd type="triangle"/>
+          </a:ln>
+        </p:spPr>
+        <p:style>
+          <a:lnRef idx="1">
+            <a:schemeClr val="dk1"/>
+          </a:lnRef>
+          <a:fillRef idx="0">
+            <a:schemeClr val="dk1"/>
+          </a:fillRef>
+          <a:effectRef idx="0">
+            <a:schemeClr val="dk1"/>
+          </a:effectRef>
+          <a:fontRef idx="minor">
+            <a:schemeClr val="tx1"/>
+          </a:fontRef>
+        </p:style>
+      </p:cxnSp>
+      <mc:AlternateContent xmlns:mc="http://schemas.openxmlformats.org/markup-compatibility/2006">
+        <mc:Choice xmlns:a14="http://schemas.microsoft.com/office/drawing/2010/main" Requires="a14">
+          <p:sp>
+            <p:nvSpPr>
+              <p:cNvPr id="107" name="文本框 106">
+                <a:extLst>
+                  <a:ext uri="{FF2B5EF4-FFF2-40B4-BE49-F238E27FC236}">
+                    <a16:creationId xmlns:a16="http://schemas.microsoft.com/office/drawing/2014/main" id="{9E324564-1C43-3732-77B7-CB27669C532B}"/>
+                  </a:ext>
+                </a:extLst>
+              </p:cNvPr>
+              <p:cNvSpPr txBox="1"/>
+              <p:nvPr/>
+            </p:nvSpPr>
+            <p:spPr>
+              <a:xfrm>
+                <a:off x="9230468" y="3787161"/>
+                <a:ext cx="405352" cy="369332"/>
+              </a:xfrm>
+              <a:prstGeom prst="rect">
+                <a:avLst/>
+              </a:prstGeom>
+              <a:noFill/>
+            </p:spPr>
+            <p:txBody>
+              <a:bodyPr wrap="square">
+                <a:spAutoFit/>
+              </a:bodyPr>
+              <a:lstStyle/>
+              <a:p>
+                <a:pPr/>
+                <a14:m>
+                  <m:oMathPara xmlns:m="http://schemas.openxmlformats.org/officeDocument/2006/math">
+                    <m:oMathParaPr>
+                      <m:jc m:val="centerGroup"/>
+                    </m:oMathParaPr>
+                    <m:oMath xmlns:m="http://schemas.openxmlformats.org/officeDocument/2006/math">
+                      <m:sSub>
+                        <m:sSubPr>
+                          <m:ctrlPr>
+                            <a:rPr lang="en-US" sz="1800" b="0" i="1" smtClean="0">
+                              <a:solidFill>
+                                <a:schemeClr val="tx1"/>
+                              </a:solidFill>
+                              <a:latin typeface="Cambria Math" panose="02040503050406030204" pitchFamily="18" charset="0"/>
+                            </a:rPr>
+                          </m:ctrlPr>
+                        </m:sSubPr>
+                        <m:e>
+                          <m:r>
+                            <a:rPr lang="en-US" sz="1800" b="0" i="1" smtClean="0">
+                              <a:solidFill>
+                                <a:schemeClr val="tx1"/>
+                              </a:solidFill>
+                              <a:latin typeface="Cambria Math" panose="02040503050406030204" pitchFamily="18" charset="0"/>
+                            </a:rPr>
+                            <m:t>𝑇</m:t>
+                          </m:r>
+                        </m:e>
+                        <m:sub>
+                          <m:r>
+                            <a:rPr lang="en-US" sz="1800" b="0" i="1" smtClean="0">
+                              <a:solidFill>
+                                <a:schemeClr val="tx1"/>
+                              </a:solidFill>
+                              <a:latin typeface="Cambria Math" panose="02040503050406030204" pitchFamily="18" charset="0"/>
+                            </a:rPr>
+                            <m:t>1</m:t>
+                          </m:r>
+                        </m:sub>
+                      </m:sSub>
+                    </m:oMath>
+                  </m:oMathPara>
+                </a14:m>
+                <a:endParaRPr lang="en-US" dirty="0"/>
+              </a:p>
+            </p:txBody>
+          </p:sp>
+        </mc:Choice>
+        <mc:Fallback>
+          <p:sp>
+            <p:nvSpPr>
+              <p:cNvPr id="107" name="文本框 106">
+                <a:extLst>
+                  <a:ext uri="{FF2B5EF4-FFF2-40B4-BE49-F238E27FC236}">
+                    <a16:creationId xmlns:a16="http://schemas.microsoft.com/office/drawing/2014/main" id="{9E324564-1C43-3732-77B7-CB27669C532B}"/>
+                  </a:ext>
+                </a:extLst>
+              </p:cNvPr>
+              <p:cNvSpPr txBox="1">
+                <a:spLocks noRot="1" noChangeAspect="1" noMove="1" noResize="1" noEditPoints="1" noAdjustHandles="1" noChangeArrowheads="1" noChangeShapeType="1" noTextEdit="1"/>
+              </p:cNvSpPr>
+              <p:nvPr/>
+            </p:nvSpPr>
+            <p:spPr>
+              <a:xfrm>
+                <a:off x="9230468" y="3787161"/>
+                <a:ext cx="405352" cy="369332"/>
               </a:xfrm>
               <a:prstGeom prst="rect">
                 <a:avLst/>
@@ -6914,12 +7018,133 @@
               <a:blipFill>
                 <a:blip r:embed="rId20"/>
                 <a:stretch>
-                  <a:fillRect b="-1399"/>
+                  <a:fillRect/>
                 </a:stretch>
               </a:blipFill>
-              <a:ln>
-                <a:noFill/>
-              </a:ln>
+            </p:spPr>
+            <p:txBody>
+              <a:bodyPr/>
+              <a:lstStyle/>
+              <a:p>
+                <a:r>
+                  <a:rPr lang="en-US">
+                    <a:noFill/>
+                  </a:rPr>
+                  <a:t> </a:t>
+                </a:r>
+              </a:p>
+            </p:txBody>
+          </p:sp>
+        </mc:Fallback>
+      </mc:AlternateContent>
+      <mc:AlternateContent xmlns:mc="http://schemas.openxmlformats.org/markup-compatibility/2006">
+        <mc:Choice xmlns:a14="http://schemas.microsoft.com/office/drawing/2010/main" Requires="a14">
+          <p:sp>
+            <p:nvSpPr>
+              <p:cNvPr id="108" name="文本框 107">
+                <a:extLst>
+                  <a:ext uri="{FF2B5EF4-FFF2-40B4-BE49-F238E27FC236}">
+                    <a16:creationId xmlns:a16="http://schemas.microsoft.com/office/drawing/2014/main" id="{36CDF345-C5DE-D7B4-D20B-33D943304F31}"/>
+                  </a:ext>
+                </a:extLst>
+              </p:cNvPr>
+              <p:cNvSpPr txBox="1"/>
+              <p:nvPr/>
+            </p:nvSpPr>
+            <p:spPr>
+              <a:xfrm>
+                <a:off x="10955265" y="3787161"/>
+                <a:ext cx="405352" cy="369332"/>
+              </a:xfrm>
+              <a:prstGeom prst="rect">
+                <a:avLst/>
+              </a:prstGeom>
+              <a:noFill/>
+            </p:spPr>
+            <p:txBody>
+              <a:bodyPr wrap="square">
+                <a:spAutoFit/>
+              </a:bodyPr>
+              <a:lstStyle/>
+              <a:p>
+                <a:pPr/>
+                <a14:m>
+                  <m:oMathPara xmlns:m="http://schemas.openxmlformats.org/officeDocument/2006/math">
+                    <m:oMathParaPr>
+                      <m:jc m:val="centerGroup"/>
+                    </m:oMathParaPr>
+                    <m:oMath xmlns:m="http://schemas.openxmlformats.org/officeDocument/2006/math">
+                      <m:sSub>
+                        <m:sSubPr>
+                          <m:ctrlPr>
+                            <a:rPr lang="en-US" sz="1800" b="0" i="1" smtClean="0">
+                              <a:solidFill>
+                                <a:schemeClr val="tx1"/>
+                              </a:solidFill>
+                              <a:latin typeface="Cambria Math" panose="02040503050406030204" pitchFamily="18" charset="0"/>
+                            </a:rPr>
+                          </m:ctrlPr>
+                        </m:sSubPr>
+                        <m:e>
+                          <m:r>
+                            <a:rPr lang="en-US" sz="1800" b="0" i="1" smtClean="0">
+                              <a:solidFill>
+                                <a:schemeClr val="tx1"/>
+                              </a:solidFill>
+                              <a:latin typeface="Cambria Math" panose="02040503050406030204" pitchFamily="18" charset="0"/>
+                            </a:rPr>
+                            <m:t>𝑇</m:t>
+                          </m:r>
+                        </m:e>
+                        <m:sub>
+                          <m:r>
+                            <a:rPr lang="en-US" sz="1800" b="0" i="1" smtClean="0">
+                              <a:solidFill>
+                                <a:schemeClr val="tx1"/>
+                              </a:solidFill>
+                              <a:latin typeface="Cambria Math" panose="02040503050406030204" pitchFamily="18" charset="0"/>
+                            </a:rPr>
+                            <m:t>2</m:t>
+                          </m:r>
+                        </m:sub>
+                      </m:sSub>
+                    </m:oMath>
+                  </m:oMathPara>
+                </a14:m>
+                <a:endParaRPr lang="en-US" dirty="0"/>
+              </a:p>
+            </p:txBody>
+          </p:sp>
+        </mc:Choice>
+        <mc:Fallback>
+          <p:sp>
+            <p:nvSpPr>
+              <p:cNvPr id="108" name="文本框 107">
+                <a:extLst>
+                  <a:ext uri="{FF2B5EF4-FFF2-40B4-BE49-F238E27FC236}">
+                    <a16:creationId xmlns:a16="http://schemas.microsoft.com/office/drawing/2014/main" id="{36CDF345-C5DE-D7B4-D20B-33D943304F31}"/>
+                  </a:ext>
+                </a:extLst>
+              </p:cNvPr>
+              <p:cNvSpPr txBox="1">
+                <a:spLocks noRot="1" noChangeAspect="1" noMove="1" noResize="1" noEditPoints="1" noAdjustHandles="1" noChangeArrowheads="1" noChangeShapeType="1" noTextEdit="1"/>
+              </p:cNvSpPr>
+              <p:nvPr/>
+            </p:nvSpPr>
+            <p:spPr>
+              <a:xfrm>
+                <a:off x="10955265" y="3787161"/>
+                <a:ext cx="405352" cy="369332"/>
+              </a:xfrm>
+              <a:prstGeom prst="rect">
+                <a:avLst/>
+              </a:prstGeom>
+              <a:blipFill>
+                <a:blip r:embed="rId21"/>
+                <a:stretch>
+                  <a:fillRect/>
+                </a:stretch>
+              </a:blipFill>
             </p:spPr>
             <p:txBody>
               <a:bodyPr/>
